--- a/1st_meetup/Geneva School of AI 1st meetup.pptx
+++ b/1st_meetup/Geneva School of AI 1st meetup.pptx
@@ -8,16 +8,14 @@
     <p:sldId id="256" r:id="rId2"/>
     <p:sldId id="274" r:id="rId3"/>
     <p:sldId id="269" r:id="rId4"/>
-    <p:sldId id="271" r:id="rId5"/>
-    <p:sldId id="272" r:id="rId6"/>
+    <p:sldId id="275" r:id="rId5"/>
+    <p:sldId id="276" r:id="rId6"/>
     <p:sldId id="273" r:id="rId7"/>
     <p:sldId id="258" r:id="rId8"/>
     <p:sldId id="259" r:id="rId9"/>
     <p:sldId id="263" r:id="rId10"/>
-    <p:sldId id="265" r:id="rId11"/>
+    <p:sldId id="262" r:id="rId11"/>
     <p:sldId id="260" r:id="rId12"/>
-    <p:sldId id="261" r:id="rId13"/>
-    <p:sldId id="262" r:id="rId14"/>
   </p:sldIdLst>
   <p:sldSz cx="9144000" cy="6858000" type="screen4x3"/>
   <p:notesSz cx="6858000" cy="9144000"/>
@@ -316,7 +314,7 @@
           <a:p>
             <a:fld id="{C2B65A2E-E35B-415A-9599-53ABD6FBCF3A}" type="datetimeFigureOut">
               <a:rPr lang="fr-CH" smtClean="0"/>
-              <a:t>20.09.2018</a:t>
+              <a:t>21.09.2018</a:t>
             </a:fld>
             <a:endParaRPr lang="fr-CH"/>
           </a:p>
@@ -481,7 +479,7 @@
           <a:p>
             <a:fld id="{C2B65A2E-E35B-415A-9599-53ABD6FBCF3A}" type="datetimeFigureOut">
               <a:rPr lang="fr-CH" smtClean="0"/>
-              <a:t>20.09.2018</a:t>
+              <a:t>21.09.2018</a:t>
             </a:fld>
             <a:endParaRPr lang="fr-CH"/>
           </a:p>
@@ -656,7 +654,7 @@
           <a:p>
             <a:fld id="{C2B65A2E-E35B-415A-9599-53ABD6FBCF3A}" type="datetimeFigureOut">
               <a:rPr lang="fr-CH" smtClean="0"/>
-              <a:t>20.09.2018</a:t>
+              <a:t>21.09.2018</a:t>
             </a:fld>
             <a:endParaRPr lang="fr-CH"/>
           </a:p>
@@ -821,7 +819,7 @@
           <a:p>
             <a:fld id="{C2B65A2E-E35B-415A-9599-53ABD6FBCF3A}" type="datetimeFigureOut">
               <a:rPr lang="fr-CH" smtClean="0"/>
-              <a:t>20.09.2018</a:t>
+              <a:t>21.09.2018</a:t>
             </a:fld>
             <a:endParaRPr lang="fr-CH"/>
           </a:p>
@@ -1062,7 +1060,7 @@
           <a:p>
             <a:fld id="{C2B65A2E-E35B-415A-9599-53ABD6FBCF3A}" type="datetimeFigureOut">
               <a:rPr lang="fr-CH" smtClean="0"/>
-              <a:t>20.09.2018</a:t>
+              <a:t>21.09.2018</a:t>
             </a:fld>
             <a:endParaRPr lang="fr-CH"/>
           </a:p>
@@ -1345,7 +1343,7 @@
           <a:p>
             <a:fld id="{C2B65A2E-E35B-415A-9599-53ABD6FBCF3A}" type="datetimeFigureOut">
               <a:rPr lang="fr-CH" smtClean="0"/>
-              <a:t>20.09.2018</a:t>
+              <a:t>21.09.2018</a:t>
             </a:fld>
             <a:endParaRPr lang="fr-CH"/>
           </a:p>
@@ -1762,7 +1760,7 @@
           <a:p>
             <a:fld id="{C2B65A2E-E35B-415A-9599-53ABD6FBCF3A}" type="datetimeFigureOut">
               <a:rPr lang="fr-CH" smtClean="0"/>
-              <a:t>20.09.2018</a:t>
+              <a:t>21.09.2018</a:t>
             </a:fld>
             <a:endParaRPr lang="fr-CH"/>
           </a:p>
@@ -1875,7 +1873,7 @@
           <a:p>
             <a:fld id="{C2B65A2E-E35B-415A-9599-53ABD6FBCF3A}" type="datetimeFigureOut">
               <a:rPr lang="fr-CH" smtClean="0"/>
-              <a:t>20.09.2018</a:t>
+              <a:t>21.09.2018</a:t>
             </a:fld>
             <a:endParaRPr lang="fr-CH"/>
           </a:p>
@@ -1965,7 +1963,7 @@
           <a:p>
             <a:fld id="{C2B65A2E-E35B-415A-9599-53ABD6FBCF3A}" type="datetimeFigureOut">
               <a:rPr lang="fr-CH" smtClean="0"/>
-              <a:t>20.09.2018</a:t>
+              <a:t>21.09.2018</a:t>
             </a:fld>
             <a:endParaRPr lang="fr-CH"/>
           </a:p>
@@ -2237,7 +2235,7 @@
           <a:p>
             <a:fld id="{C2B65A2E-E35B-415A-9599-53ABD6FBCF3A}" type="datetimeFigureOut">
               <a:rPr lang="fr-CH" smtClean="0"/>
-              <a:t>20.09.2018</a:t>
+              <a:t>21.09.2018</a:t>
             </a:fld>
             <a:endParaRPr lang="fr-CH"/>
           </a:p>
@@ -2485,7 +2483,7 @@
           <a:p>
             <a:fld id="{C2B65A2E-E35B-415A-9599-53ABD6FBCF3A}" type="datetimeFigureOut">
               <a:rPr lang="fr-CH" smtClean="0"/>
-              <a:t>20.09.2018</a:t>
+              <a:t>21.09.2018</a:t>
             </a:fld>
             <a:endParaRPr lang="fr-CH"/>
           </a:p>
@@ -2693,7 +2691,7 @@
           <a:p>
             <a:fld id="{C2B65A2E-E35B-415A-9599-53ABD6FBCF3A}" type="datetimeFigureOut">
               <a:rPr lang="fr-CH" smtClean="0"/>
-              <a:t>20.09.2018</a:t>
+              <a:t>21.09.2018</a:t>
             </a:fld>
             <a:endParaRPr lang="fr-CH"/>
           </a:p>
@@ -3063,96 +3061,230 @@
           <a:chExt cx="0" cy="0"/>
         </a:xfrm>
       </p:grpSpPr>
-      <p:sp>
-        <p:nvSpPr>
-          <p:cNvPr id="2" name="Title 1"/>
-          <p:cNvSpPr>
-            <a:spLocks noGrp="1"/>
-          </p:cNvSpPr>
-          <p:nvPr>
-            <p:ph type="ctrTitle"/>
-          </p:nvPr>
-        </p:nvSpPr>
-        <p:spPr>
-          <a:xfrm>
-            <a:off x="755576" y="3789040"/>
-            <a:ext cx="7772400" cy="1470025"/>
-          </a:xfrm>
-        </p:spPr>
-        <p:txBody>
-          <a:bodyPr/>
-          <a:lstStyle/>
-          <a:p>
-            <a:r>
-              <a:rPr lang="fr-CH" dirty="0" smtClean="0"/>
-              <a:t>Geneva </a:t>
-            </a:r>
-            <a:r>
-              <a:rPr lang="fr-CH" dirty="0" err="1" smtClean="0"/>
-              <a:t>School</a:t>
-            </a:r>
-            <a:r>
-              <a:rPr lang="fr-CH" dirty="0" smtClean="0"/>
-              <a:t> of AI</a:t>
-            </a:r>
-            <a:endParaRPr lang="fr-CH" dirty="0"/>
-          </a:p>
-        </p:txBody>
-      </p:sp>
-      <p:sp>
-        <p:nvSpPr>
-          <p:cNvPr id="3" name="Subtitle 2"/>
-          <p:cNvSpPr>
-            <a:spLocks noGrp="1"/>
-          </p:cNvSpPr>
-          <p:nvPr>
-            <p:ph type="subTitle" idx="1"/>
-          </p:nvPr>
-        </p:nvSpPr>
-        <p:spPr>
-          <a:xfrm>
-            <a:off x="1403648" y="4869160"/>
-            <a:ext cx="6400800" cy="1124744"/>
-          </a:xfrm>
-        </p:spPr>
-        <p:txBody>
-          <a:bodyPr/>
-          <a:lstStyle/>
-          <a:p>
-            <a:r>
-              <a:rPr lang="fr-CH" dirty="0" smtClean="0"/>
-              <a:t>Date</a:t>
-            </a:r>
-            <a:endParaRPr lang="fr-CH" dirty="0"/>
-          </a:p>
-        </p:txBody>
-      </p:sp>
       <p:pic>
         <p:nvPicPr>
-          <p:cNvPr id="1027" name="Picture 3" descr="C:\Users\charles\Desktop\Dropbox\SchoolOfAI\School of AI\Logos\School of ai inverse logo.png"/>
+          <p:cNvPr id="4" name="Picture 3"/>
           <p:cNvPicPr>
-            <a:picLocks noChangeAspect="1" noChangeArrowheads="1"/>
+            <a:picLocks noChangeAspect="1"/>
           </p:cNvPicPr>
           <p:nvPr/>
         </p:nvPicPr>
         <p:blipFill>
-          <a:blip r:embed="rId2" cstate="print"/>
-          <a:srcRect/>
+          <a:blip r:embed="rId2">
+            <a:extLst>
+              <a:ext uri="{28A0092B-C50C-407E-A947-70E740481C1C}">
+                <a14:useLocalDpi xmlns:a14="http://schemas.microsoft.com/office/drawing/2010/main" val="0"/>
+              </a:ext>
+            </a:extLst>
+          </a:blip>
           <a:stretch>
             <a:fillRect/>
           </a:stretch>
         </p:blipFill>
-        <p:spPr bwMode="auto">
+        <p:spPr>
           <a:xfrm>
-            <a:off x="1763688" y="1556792"/>
-            <a:ext cx="5616624" cy="2158656"/>
+            <a:off x="539552" y="764704"/>
+            <a:ext cx="8188544" cy="5256584"/>
           </a:xfrm>
           <a:prstGeom prst="rect">
             <a:avLst/>
           </a:prstGeom>
-          <a:noFill/>
         </p:spPr>
       </p:pic>
+      <p:sp>
+        <p:nvSpPr>
+          <p:cNvPr id="8" name="Content Placeholder 3"/>
+          <p:cNvSpPr txBox="1">
+            <a:spLocks/>
+          </p:cNvSpPr>
+          <p:nvPr/>
+        </p:nvSpPr>
+        <p:spPr>
+          <a:xfrm>
+            <a:off x="3635896" y="5589240"/>
+            <a:ext cx="1872208" cy="432048"/>
+          </a:xfrm>
+          <a:prstGeom prst="rect">
+            <a:avLst/>
+          </a:prstGeom>
+        </p:spPr>
+        <p:txBody>
+          <a:bodyPr>
+            <a:normAutofit/>
+          </a:bodyPr>
+          <a:lstStyle>
+            <a:lvl1pPr marL="342900" indent="-342900" algn="l" defTabSz="914400" rtl="0" eaLnBrk="1" latinLnBrk="0" hangingPunct="1">
+              <a:spcBef>
+                <a:spcPct val="20000"/>
+              </a:spcBef>
+              <a:buFont typeface="Arial" pitchFamily="34" charset="0"/>
+              <a:buChar char="•"/>
+              <a:defRPr sz="3200" kern="1200">
+                <a:solidFill>
+                  <a:schemeClr val="tx1"/>
+                </a:solidFill>
+                <a:latin typeface="+mn-lt"/>
+                <a:ea typeface="+mn-ea"/>
+                <a:cs typeface="+mn-cs"/>
+              </a:defRPr>
+            </a:lvl1pPr>
+            <a:lvl2pPr marL="742950" indent="-285750" algn="l" defTabSz="914400" rtl="0" eaLnBrk="1" latinLnBrk="0" hangingPunct="1">
+              <a:spcBef>
+                <a:spcPct val="20000"/>
+              </a:spcBef>
+              <a:buFont typeface="Arial" pitchFamily="34" charset="0"/>
+              <a:buChar char="–"/>
+              <a:defRPr sz="2800" kern="1200">
+                <a:solidFill>
+                  <a:schemeClr val="tx1"/>
+                </a:solidFill>
+                <a:latin typeface="+mn-lt"/>
+                <a:ea typeface="+mn-ea"/>
+                <a:cs typeface="+mn-cs"/>
+              </a:defRPr>
+            </a:lvl2pPr>
+            <a:lvl3pPr marL="1143000" indent="-228600" algn="l" defTabSz="914400" rtl="0" eaLnBrk="1" latinLnBrk="0" hangingPunct="1">
+              <a:spcBef>
+                <a:spcPct val="20000"/>
+              </a:spcBef>
+              <a:buFont typeface="Arial" pitchFamily="34" charset="0"/>
+              <a:buChar char="•"/>
+              <a:defRPr sz="2400" kern="1200">
+                <a:solidFill>
+                  <a:schemeClr val="tx1"/>
+                </a:solidFill>
+                <a:latin typeface="+mn-lt"/>
+                <a:ea typeface="+mn-ea"/>
+                <a:cs typeface="+mn-cs"/>
+              </a:defRPr>
+            </a:lvl3pPr>
+            <a:lvl4pPr marL="1600200" indent="-228600" algn="l" defTabSz="914400" rtl="0" eaLnBrk="1" latinLnBrk="0" hangingPunct="1">
+              <a:spcBef>
+                <a:spcPct val="20000"/>
+              </a:spcBef>
+              <a:buFont typeface="Arial" pitchFamily="34" charset="0"/>
+              <a:buChar char="–"/>
+              <a:defRPr sz="2000" kern="1200">
+                <a:solidFill>
+                  <a:schemeClr val="tx1"/>
+                </a:solidFill>
+                <a:latin typeface="+mn-lt"/>
+                <a:ea typeface="+mn-ea"/>
+                <a:cs typeface="+mn-cs"/>
+              </a:defRPr>
+            </a:lvl4pPr>
+            <a:lvl5pPr marL="2057400" indent="-228600" algn="l" defTabSz="914400" rtl="0" eaLnBrk="1" latinLnBrk="0" hangingPunct="1">
+              <a:spcBef>
+                <a:spcPct val="20000"/>
+              </a:spcBef>
+              <a:buFont typeface="Arial" pitchFamily="34" charset="0"/>
+              <a:buChar char="»"/>
+              <a:defRPr sz="2000" kern="1200">
+                <a:solidFill>
+                  <a:schemeClr val="tx1"/>
+                </a:solidFill>
+                <a:latin typeface="+mn-lt"/>
+                <a:ea typeface="+mn-ea"/>
+                <a:cs typeface="+mn-cs"/>
+              </a:defRPr>
+            </a:lvl5pPr>
+            <a:lvl6pPr marL="2514600" indent="-228600" algn="l" defTabSz="914400" rtl="0" eaLnBrk="1" latinLnBrk="0" hangingPunct="1">
+              <a:spcBef>
+                <a:spcPct val="20000"/>
+              </a:spcBef>
+              <a:buFont typeface="Arial" pitchFamily="34" charset="0"/>
+              <a:buChar char="•"/>
+              <a:defRPr sz="2000" kern="1200">
+                <a:solidFill>
+                  <a:schemeClr val="tx1"/>
+                </a:solidFill>
+                <a:latin typeface="+mn-lt"/>
+                <a:ea typeface="+mn-ea"/>
+                <a:cs typeface="+mn-cs"/>
+              </a:defRPr>
+            </a:lvl6pPr>
+            <a:lvl7pPr marL="2971800" indent="-228600" algn="l" defTabSz="914400" rtl="0" eaLnBrk="1" latinLnBrk="0" hangingPunct="1">
+              <a:spcBef>
+                <a:spcPct val="20000"/>
+              </a:spcBef>
+              <a:buFont typeface="Arial" pitchFamily="34" charset="0"/>
+              <a:buChar char="•"/>
+              <a:defRPr sz="2000" kern="1200">
+                <a:solidFill>
+                  <a:schemeClr val="tx1"/>
+                </a:solidFill>
+                <a:latin typeface="+mn-lt"/>
+                <a:ea typeface="+mn-ea"/>
+                <a:cs typeface="+mn-cs"/>
+              </a:defRPr>
+            </a:lvl7pPr>
+            <a:lvl8pPr marL="3429000" indent="-228600" algn="l" defTabSz="914400" rtl="0" eaLnBrk="1" latinLnBrk="0" hangingPunct="1">
+              <a:spcBef>
+                <a:spcPct val="20000"/>
+              </a:spcBef>
+              <a:buFont typeface="Arial" pitchFamily="34" charset="0"/>
+              <a:buChar char="•"/>
+              <a:defRPr sz="2000" kern="1200">
+                <a:solidFill>
+                  <a:schemeClr val="tx1"/>
+                </a:solidFill>
+                <a:latin typeface="+mn-lt"/>
+                <a:ea typeface="+mn-ea"/>
+                <a:cs typeface="+mn-cs"/>
+              </a:defRPr>
+            </a:lvl8pPr>
+            <a:lvl9pPr marL="3886200" indent="-228600" algn="l" defTabSz="914400" rtl="0" eaLnBrk="1" latinLnBrk="0" hangingPunct="1">
+              <a:spcBef>
+                <a:spcPct val="20000"/>
+              </a:spcBef>
+              <a:buFont typeface="Arial" pitchFamily="34" charset="0"/>
+              <a:buChar char="•"/>
+              <a:defRPr sz="2000" kern="1200">
+                <a:solidFill>
+                  <a:schemeClr val="tx1"/>
+                </a:solidFill>
+                <a:latin typeface="+mn-lt"/>
+                <a:ea typeface="+mn-ea"/>
+                <a:cs typeface="+mn-cs"/>
+              </a:defRPr>
+            </a:lvl9pPr>
+          </a:lstStyle>
+          <a:p>
+            <a:pPr marL="0" indent="0" algn="ctr">
+              <a:buNone/>
+            </a:pPr>
+            <a:r>
+              <a:rPr lang="en-US" sz="2000" b="1" dirty="0" smtClean="0">
+                <a:solidFill>
+                  <a:schemeClr val="bg1"/>
+                </a:solidFill>
+              </a:rPr>
+              <a:t>21</a:t>
+            </a:r>
+            <a:r>
+              <a:rPr lang="en-US" sz="2000" b="1" baseline="30000" dirty="0" smtClean="0">
+                <a:solidFill>
+                  <a:schemeClr val="bg1"/>
+                </a:solidFill>
+              </a:rPr>
+              <a:t>st</a:t>
+            </a:r>
+            <a:r>
+              <a:rPr lang="en-US" sz="2000" b="1" dirty="0" smtClean="0">
+                <a:solidFill>
+                  <a:schemeClr val="bg1"/>
+                </a:solidFill>
+              </a:rPr>
+              <a:t> Sept 2018</a:t>
+            </a:r>
+            <a:endParaRPr lang="en-US" sz="2000" b="1" dirty="0">
+              <a:solidFill>
+                <a:schemeClr val="bg1"/>
+              </a:solidFill>
+            </a:endParaRPr>
+          </a:p>
+        </p:txBody>
+      </p:sp>
     </p:spTree>
   </p:cSld>
   <p:clrMapOvr>
@@ -3162,820 +3294,6 @@
 </file>
 
 <file path=ppt/slides/slide10.xml><?xml version="1.0" encoding="utf-8"?>
-<p:sld xmlns:a="http://schemas.openxmlformats.org/drawingml/2006/main" xmlns:r="http://schemas.openxmlformats.org/officeDocument/2006/relationships" xmlns:p="http://schemas.openxmlformats.org/presentationml/2006/main">
-  <p:cSld>
-    <p:spTree>
-      <p:nvGrpSpPr>
-        <p:cNvPr id="1" name=""/>
-        <p:cNvGrpSpPr/>
-        <p:nvPr/>
-      </p:nvGrpSpPr>
-      <p:grpSpPr>
-        <a:xfrm>
-          <a:off x="0" y="0"/>
-          <a:ext cx="0" cy="0"/>
-          <a:chOff x="0" y="0"/>
-          <a:chExt cx="0" cy="0"/>
-        </a:xfrm>
-      </p:grpSpPr>
-      <p:sp>
-        <p:nvSpPr>
-          <p:cNvPr id="7" name="Title 6"/>
-          <p:cNvSpPr>
-            <a:spLocks noGrp="1"/>
-          </p:cNvSpPr>
-          <p:nvPr>
-            <p:ph type="title"/>
-          </p:nvPr>
-        </p:nvSpPr>
-        <p:spPr/>
-        <p:txBody>
-          <a:bodyPr>
-            <a:normAutofit fontScale="90000"/>
-          </a:bodyPr>
-          <a:lstStyle/>
-          <a:p>
-            <a:r>
-              <a:rPr lang="fr-CH" dirty="0" smtClean="0"/>
-              <a:t>A </a:t>
-            </a:r>
-            <a:r>
-              <a:rPr lang="fr-CH" dirty="0" err="1" smtClean="0"/>
-              <a:t>view</a:t>
-            </a:r>
-            <a:r>
-              <a:rPr lang="fr-CH" dirty="0" smtClean="0"/>
-              <a:t> of </a:t>
-            </a:r>
-            <a:r>
-              <a:rPr lang="fr-CH" dirty="0" err="1" smtClean="0"/>
-              <a:t>what</a:t>
-            </a:r>
-            <a:r>
-              <a:rPr lang="fr-CH" dirty="0" smtClean="0"/>
-              <a:t> </a:t>
-            </a:r>
-            <a:r>
-              <a:rPr lang="fr-CH" dirty="0" err="1" smtClean="0"/>
-              <a:t>we</a:t>
-            </a:r>
-            <a:r>
-              <a:rPr lang="fr-CH" dirty="0" smtClean="0"/>
-              <a:t> </a:t>
-            </a:r>
-            <a:r>
-              <a:rPr lang="fr-CH" dirty="0" err="1" smtClean="0"/>
-              <a:t>intend</a:t>
-            </a:r>
-            <a:r>
-              <a:rPr lang="fr-CH" dirty="0" smtClean="0"/>
-              <a:t> to </a:t>
-            </a:r>
-            <a:r>
-              <a:rPr lang="fr-CH" dirty="0" err="1" smtClean="0"/>
-              <a:t>achieve</a:t>
-            </a:r>
-            <a:r>
-              <a:rPr lang="fr-CH" dirty="0" smtClean="0"/>
-              <a:t> in Geneva</a:t>
-            </a:r>
-            <a:endParaRPr lang="fr-CH" dirty="0"/>
-          </a:p>
-        </p:txBody>
-      </p:sp>
-      <p:pic>
-        <p:nvPicPr>
-          <p:cNvPr id="6146" name="Picture 2" descr="C:\Users\charles\Desktop\Dropbox\SchoolOfAI\Presentation\Geneva_School_of_AI-MM.png"/>
-          <p:cNvPicPr>
-            <a:picLocks noChangeAspect="1" noChangeArrowheads="1"/>
-          </p:cNvPicPr>
-          <p:nvPr/>
-        </p:nvPicPr>
-        <p:blipFill>
-          <a:blip r:embed="rId2" cstate="print"/>
-          <a:srcRect/>
-          <a:stretch>
-            <a:fillRect/>
-          </a:stretch>
-        </p:blipFill>
-        <p:spPr bwMode="auto">
-          <a:xfrm>
-            <a:off x="827584" y="1700808"/>
-            <a:ext cx="7402982" cy="4524968"/>
-          </a:xfrm>
-          <a:prstGeom prst="rect">
-            <a:avLst/>
-          </a:prstGeom>
-          <a:noFill/>
-        </p:spPr>
-      </p:pic>
-      <p:sp>
-        <p:nvSpPr>
-          <p:cNvPr id="5" name="Oval Callout 4"/>
-          <p:cNvSpPr/>
-          <p:nvPr/>
-        </p:nvSpPr>
-        <p:spPr>
-          <a:xfrm rot="444852">
-            <a:off x="2425445" y="2391212"/>
-            <a:ext cx="5273429" cy="2363607"/>
-          </a:xfrm>
-          <a:prstGeom prst="wedgeEllipseCallout">
-            <a:avLst>
-              <a:gd name="adj1" fmla="val -32795"/>
-              <a:gd name="adj2" fmla="val 65083"/>
-            </a:avLst>
-          </a:prstGeom>
-        </p:spPr>
-        <p:style>
-          <a:lnRef idx="2">
-            <a:schemeClr val="accent6">
-              <a:shade val="50000"/>
-            </a:schemeClr>
-          </a:lnRef>
-          <a:fillRef idx="1">
-            <a:schemeClr val="accent6"/>
-          </a:fillRef>
-          <a:effectRef idx="0">
-            <a:schemeClr val="accent6"/>
-          </a:effectRef>
-          <a:fontRef idx="minor">
-            <a:schemeClr val="lt1"/>
-          </a:fontRef>
-        </p:style>
-        <p:txBody>
-          <a:bodyPr rtlCol="0" anchor="ctr"/>
-          <a:lstStyle/>
-          <a:p>
-            <a:pPr algn="ctr"/>
-            <a:r>
-              <a:rPr lang="en-US" dirty="0" smtClean="0"/>
-              <a:t>I think this map should be generated by members, and I’m afraid this can also limit the potential of our group!</a:t>
-            </a:r>
-            <a:br>
-              <a:rPr lang="en-US" dirty="0" smtClean="0"/>
-            </a:br>
-            <a:r>
-              <a:rPr lang="en-US" dirty="0" smtClean="0"/>
-              <a:t>I suggest dropping this slide, or replacing it with more high-level overview.</a:t>
-            </a:r>
-            <a:endParaRPr lang="en-US" dirty="0"/>
-          </a:p>
-        </p:txBody>
-      </p:sp>
-    </p:spTree>
-  </p:cSld>
-  <p:clrMapOvr>
-    <a:masterClrMapping/>
-  </p:clrMapOvr>
-</p:sld>
-</file>
-
-<file path=ppt/slides/slide11.xml><?xml version="1.0" encoding="utf-8"?>
-<p:sld xmlns:a="http://schemas.openxmlformats.org/drawingml/2006/main" xmlns:r="http://schemas.openxmlformats.org/officeDocument/2006/relationships" xmlns:p="http://schemas.openxmlformats.org/presentationml/2006/main">
-  <p:cSld>
-    <p:spTree>
-      <p:nvGrpSpPr>
-        <p:cNvPr id="1" name=""/>
-        <p:cNvGrpSpPr/>
-        <p:nvPr/>
-      </p:nvGrpSpPr>
-      <p:grpSpPr>
-        <a:xfrm>
-          <a:off x="0" y="0"/>
-          <a:ext cx="0" cy="0"/>
-          <a:chOff x="0" y="0"/>
-          <a:chExt cx="0" cy="0"/>
-        </a:xfrm>
-      </p:grpSpPr>
-      <p:sp>
-        <p:nvSpPr>
-          <p:cNvPr id="2" name="Title 1"/>
-          <p:cNvSpPr>
-            <a:spLocks noGrp="1"/>
-          </p:cNvSpPr>
-          <p:nvPr>
-            <p:ph type="title"/>
-          </p:nvPr>
-        </p:nvSpPr>
-        <p:spPr/>
-        <p:txBody>
-          <a:bodyPr/>
-          <a:lstStyle/>
-          <a:p>
-            <a:r>
-              <a:rPr lang="fr-CH" dirty="0" smtClean="0"/>
-              <a:t>Geneva </a:t>
-            </a:r>
-            <a:r>
-              <a:rPr lang="fr-CH" dirty="0" err="1" smtClean="0"/>
-              <a:t>School</a:t>
-            </a:r>
-            <a:r>
-              <a:rPr lang="fr-CH" dirty="0" smtClean="0"/>
-              <a:t> of AI</a:t>
-            </a:r>
-            <a:endParaRPr lang="fr-CH" dirty="0"/>
-          </a:p>
-        </p:txBody>
-      </p:sp>
-      <p:sp>
-        <p:nvSpPr>
-          <p:cNvPr id="4" name="Text Placeholder 3"/>
-          <p:cNvSpPr>
-            <a:spLocks noGrp="1"/>
-          </p:cNvSpPr>
-          <p:nvPr>
-            <p:ph type="body" idx="1"/>
-          </p:nvPr>
-        </p:nvSpPr>
-        <p:spPr>
-          <a:xfrm>
-            <a:off x="457200" y="1535112"/>
-            <a:ext cx="4040188" cy="646099"/>
-          </a:xfrm>
-        </p:spPr>
-        <p:txBody>
-          <a:bodyPr/>
-          <a:lstStyle/>
-          <a:p>
-            <a:r>
-              <a:rPr lang="fr-CH" dirty="0"/>
-              <a:t>Class</a:t>
-            </a:r>
-          </a:p>
-        </p:txBody>
-      </p:sp>
-      <p:sp>
-        <p:nvSpPr>
-          <p:cNvPr id="5" name="Content Placeholder 4"/>
-          <p:cNvSpPr>
-            <a:spLocks noGrp="1"/>
-          </p:cNvSpPr>
-          <p:nvPr>
-            <p:ph sz="half" idx="2"/>
-          </p:nvPr>
-        </p:nvSpPr>
-        <p:spPr>
-          <a:xfrm>
-            <a:off x="457200" y="2174875"/>
-            <a:ext cx="4040188" cy="1758182"/>
-          </a:xfrm>
-        </p:spPr>
-        <p:txBody>
-          <a:bodyPr>
-            <a:normAutofit fontScale="92500" lnSpcReduction="20000"/>
-          </a:bodyPr>
-          <a:lstStyle/>
-          <a:p>
-            <a:r>
-              <a:rPr lang="fr-CH" dirty="0" smtClean="0"/>
-              <a:t>ML concept</a:t>
-            </a:r>
-            <a:r>
-              <a:rPr lang="fr-CH" dirty="0"/>
-              <a:t>, </a:t>
-            </a:r>
-            <a:endParaRPr lang="fr-CH" dirty="0" smtClean="0"/>
-          </a:p>
-          <a:p>
-            <a:r>
-              <a:rPr lang="fr-CH" dirty="0" smtClean="0"/>
-              <a:t>ML </a:t>
-            </a:r>
-            <a:r>
-              <a:rPr lang="fr-CH" dirty="0" err="1" smtClean="0"/>
-              <a:t>programing</a:t>
-            </a:r>
-            <a:endParaRPr lang="fr-CH" dirty="0" smtClean="0"/>
-          </a:p>
-          <a:p>
-            <a:r>
-              <a:rPr lang="fr-CH" dirty="0" smtClean="0"/>
-              <a:t>Data management</a:t>
-            </a:r>
-          </a:p>
-          <a:p>
-            <a:r>
-              <a:rPr lang="fr-CH" dirty="0" err="1" smtClean="0"/>
-              <a:t>Ethics</a:t>
-            </a:r>
-            <a:endParaRPr lang="fr-CH" dirty="0" smtClean="0"/>
-          </a:p>
-          <a:p>
-            <a:r>
-              <a:rPr lang="fr-CH" dirty="0" err="1" smtClean="0"/>
-              <a:t>etc</a:t>
-            </a:r>
-            <a:r>
-              <a:rPr lang="fr-CH" dirty="0" smtClean="0"/>
-              <a:t>…</a:t>
-            </a:r>
-            <a:endParaRPr lang="fr-CH" dirty="0"/>
-          </a:p>
-        </p:txBody>
-      </p:sp>
-      <p:sp>
-        <p:nvSpPr>
-          <p:cNvPr id="6" name="Text Placeholder 5"/>
-          <p:cNvSpPr>
-            <a:spLocks noGrp="1"/>
-          </p:cNvSpPr>
-          <p:nvPr>
-            <p:ph type="body" sz="quarter" idx="3"/>
-          </p:nvPr>
-        </p:nvSpPr>
-        <p:spPr>
-          <a:xfrm>
-            <a:off x="4645025" y="1535112"/>
-            <a:ext cx="4041775" cy="646099"/>
-          </a:xfrm>
-        </p:spPr>
-        <p:txBody>
-          <a:bodyPr/>
-          <a:lstStyle/>
-          <a:p>
-            <a:r>
-              <a:rPr lang="fr-CH" dirty="0" err="1"/>
-              <a:t>Study</a:t>
-            </a:r>
-            <a:r>
-              <a:rPr lang="fr-CH" dirty="0"/>
-              <a:t> Group</a:t>
-            </a:r>
-          </a:p>
-        </p:txBody>
-      </p:sp>
-      <p:sp>
-        <p:nvSpPr>
-          <p:cNvPr id="7" name="Content Placeholder 6"/>
-          <p:cNvSpPr>
-            <a:spLocks noGrp="1"/>
-          </p:cNvSpPr>
-          <p:nvPr>
-            <p:ph sz="quarter" idx="4"/>
-          </p:nvPr>
-        </p:nvSpPr>
-        <p:spPr>
-          <a:xfrm>
-            <a:off x="4645025" y="2174875"/>
-            <a:ext cx="4041775" cy="1758182"/>
-          </a:xfrm>
-        </p:spPr>
-        <p:txBody>
-          <a:bodyPr>
-            <a:normAutofit fontScale="70000" lnSpcReduction="20000"/>
-          </a:bodyPr>
-          <a:lstStyle/>
-          <a:p>
-            <a:pPr algn="just"/>
-            <a:r>
-              <a:rPr lang="en-US" dirty="0"/>
-              <a:t>A School of AI Study Group involves having an engaging group conversation on </a:t>
-            </a:r>
-            <a:r>
-              <a:rPr lang="en-US" dirty="0" smtClean="0"/>
-              <a:t>a particular </a:t>
-            </a:r>
-            <a:r>
-              <a:rPr lang="en-US" dirty="0"/>
-              <a:t>AI research paper</a:t>
-            </a:r>
-            <a:r>
-              <a:rPr lang="en-US" dirty="0" smtClean="0"/>
-              <a:t>. These </a:t>
-            </a:r>
-            <a:r>
-              <a:rPr lang="en-US" dirty="0"/>
-              <a:t>are open-ended sessions that involve asking any questions you </a:t>
-            </a:r>
-            <a:r>
-              <a:rPr lang="en-US" dirty="0" smtClean="0"/>
-              <a:t>have about </a:t>
-            </a:r>
-            <a:r>
-              <a:rPr lang="en-US" dirty="0"/>
-              <a:t>the paper and discussing the merits of different algorithmic approaches.</a:t>
-            </a:r>
-            <a:endParaRPr lang="fr-CH" dirty="0"/>
-          </a:p>
-        </p:txBody>
-      </p:sp>
-      <p:sp>
-        <p:nvSpPr>
-          <p:cNvPr id="8" name="Text Placeholder 3"/>
-          <p:cNvSpPr txBox="1">
-            <a:spLocks/>
-          </p:cNvSpPr>
-          <p:nvPr/>
-        </p:nvSpPr>
-        <p:spPr>
-          <a:xfrm>
-            <a:off x="446856" y="4229397"/>
-            <a:ext cx="4040188" cy="646099"/>
-          </a:xfrm>
-          <a:prstGeom prst="rect">
-            <a:avLst/>
-          </a:prstGeom>
-        </p:spPr>
-        <p:txBody>
-          <a:bodyPr vert="horz" lIns="91440" tIns="45720" rIns="91440" bIns="45720" rtlCol="0" anchor="b">
-            <a:normAutofit/>
-          </a:bodyPr>
-          <a:lstStyle/>
-          <a:p>
-            <a:pPr lvl="0">
-              <a:spcBef>
-                <a:spcPct val="20000"/>
-              </a:spcBef>
-            </a:pPr>
-            <a:r>
-              <a:rPr lang="fr-CH" sz="2400" b="1" dirty="0"/>
-              <a:t>Hands-on Workshop</a:t>
-            </a:r>
-            <a:endParaRPr kumimoji="0" lang="fr-CH" sz="2400" b="1" i="0" u="none" strike="noStrike" kern="1200" cap="none" spc="0" normalizeH="0" baseline="0" noProof="0" dirty="0" smtClean="0">
-              <a:ln>
-                <a:noFill/>
-              </a:ln>
-              <a:solidFill>
-                <a:schemeClr val="tx1"/>
-              </a:solidFill>
-              <a:effectLst/>
-              <a:uLnTx/>
-              <a:uFillTx/>
-              <a:latin typeface="+mn-lt"/>
-              <a:ea typeface="+mn-ea"/>
-              <a:cs typeface="+mn-cs"/>
-            </a:endParaRPr>
-          </a:p>
-        </p:txBody>
-      </p:sp>
-      <p:sp>
-        <p:nvSpPr>
-          <p:cNvPr id="9" name="Content Placeholder 4"/>
-          <p:cNvSpPr txBox="1">
-            <a:spLocks/>
-          </p:cNvSpPr>
-          <p:nvPr/>
-        </p:nvSpPr>
-        <p:spPr>
-          <a:xfrm>
-            <a:off x="446856" y="4869160"/>
-            <a:ext cx="4040188" cy="1758182"/>
-          </a:xfrm>
-          <a:prstGeom prst="rect">
-            <a:avLst/>
-          </a:prstGeom>
-        </p:spPr>
-        <p:txBody>
-          <a:bodyPr vert="horz" lIns="91440" tIns="45720" rIns="91440" bIns="45720" rtlCol="0">
-            <a:noAutofit/>
-          </a:bodyPr>
-          <a:lstStyle/>
-          <a:p>
-            <a:pPr>
-              <a:buFont typeface="Arial" pitchFamily="34" charset="0"/>
-              <a:buChar char="•"/>
-            </a:pPr>
-            <a:r>
-              <a:rPr lang="en-US" dirty="0" smtClean="0"/>
-              <a:t> A </a:t>
-            </a:r>
-            <a:r>
-              <a:rPr lang="en-US" dirty="0"/>
-              <a:t>hands-on workshop involves coding. Students are asked to bring </a:t>
-            </a:r>
-            <a:r>
-              <a:rPr lang="en-US" dirty="0" smtClean="0"/>
-              <a:t>their laptops </a:t>
-            </a:r>
-            <a:r>
-              <a:rPr lang="en-US" dirty="0"/>
-              <a:t>as they will be following along as the presenter guides them through a particular application of AI.</a:t>
-            </a:r>
-            <a:endParaRPr kumimoji="0" lang="fr-CH" b="0" i="0" u="none" strike="noStrike" kern="1200" cap="none" spc="0" normalizeH="0" baseline="0" noProof="0" dirty="0" smtClean="0">
-              <a:ln>
-                <a:noFill/>
-              </a:ln>
-              <a:solidFill>
-                <a:schemeClr val="tx1"/>
-              </a:solidFill>
-              <a:effectLst/>
-              <a:uLnTx/>
-              <a:uFillTx/>
-              <a:latin typeface="+mn-lt"/>
-              <a:ea typeface="+mn-ea"/>
-              <a:cs typeface="+mn-cs"/>
-            </a:endParaRPr>
-          </a:p>
-        </p:txBody>
-      </p:sp>
-      <p:sp>
-        <p:nvSpPr>
-          <p:cNvPr id="10" name="Text Placeholder 5"/>
-          <p:cNvSpPr txBox="1">
-            <a:spLocks/>
-          </p:cNvSpPr>
-          <p:nvPr/>
-        </p:nvSpPr>
-        <p:spPr>
-          <a:xfrm>
-            <a:off x="4634681" y="4229397"/>
-            <a:ext cx="4041775" cy="646099"/>
-          </a:xfrm>
-          <a:prstGeom prst="rect">
-            <a:avLst/>
-          </a:prstGeom>
-        </p:spPr>
-        <p:txBody>
-          <a:bodyPr vert="horz" lIns="91440" tIns="45720" rIns="91440" bIns="45720" rtlCol="0" anchor="b">
-            <a:normAutofit/>
-          </a:bodyPr>
-          <a:lstStyle/>
-          <a:p>
-            <a:pPr lvl="0">
-              <a:spcBef>
-                <a:spcPct val="20000"/>
-              </a:spcBef>
-            </a:pPr>
-            <a:r>
-              <a:rPr lang="fr-CH" sz="2400" b="1" dirty="0" err="1"/>
-              <a:t>Hackathon</a:t>
-            </a:r>
-            <a:endParaRPr kumimoji="0" lang="fr-CH" sz="2400" b="1" i="0" u="none" strike="noStrike" kern="1200" cap="none" spc="0" normalizeH="0" baseline="0" noProof="0" dirty="0" smtClean="0">
-              <a:ln>
-                <a:noFill/>
-              </a:ln>
-              <a:solidFill>
-                <a:schemeClr val="tx1"/>
-              </a:solidFill>
-              <a:effectLst/>
-              <a:uLnTx/>
-              <a:uFillTx/>
-              <a:latin typeface="+mn-lt"/>
-              <a:ea typeface="+mn-ea"/>
-              <a:cs typeface="+mn-cs"/>
-            </a:endParaRPr>
-          </a:p>
-        </p:txBody>
-      </p:sp>
-      <p:sp>
-        <p:nvSpPr>
-          <p:cNvPr id="11" name="Content Placeholder 6"/>
-          <p:cNvSpPr txBox="1">
-            <a:spLocks/>
-          </p:cNvSpPr>
-          <p:nvPr/>
-        </p:nvSpPr>
-        <p:spPr>
-          <a:xfrm>
-            <a:off x="4634681" y="4869160"/>
-            <a:ext cx="4041775" cy="1758182"/>
-          </a:xfrm>
-          <a:prstGeom prst="rect">
-            <a:avLst/>
-          </a:prstGeom>
-        </p:spPr>
-        <p:txBody>
-          <a:bodyPr vert="horz" lIns="91440" tIns="45720" rIns="91440" bIns="45720" rtlCol="0">
-            <a:normAutofit fontScale="77500" lnSpcReduction="20000"/>
-          </a:bodyPr>
-          <a:lstStyle/>
-          <a:p>
-            <a:pPr>
-              <a:buFont typeface="Arial" pitchFamily="34" charset="0"/>
-              <a:buChar char="•"/>
-            </a:pPr>
-            <a:r>
-              <a:rPr lang="en-US" sz="2400" dirty="0" err="1"/>
-              <a:t>Hackathons</a:t>
-            </a:r>
-            <a:r>
-              <a:rPr lang="en-US" sz="2400" dirty="0"/>
-              <a:t> are events that are up to 24 hours in length that involve students creating </a:t>
-            </a:r>
-            <a:r>
-              <a:rPr lang="en-US" sz="2400" dirty="0" smtClean="0"/>
-              <a:t>an AI </a:t>
-            </a:r>
-            <a:r>
-              <a:rPr lang="en-US" sz="2400" dirty="0"/>
-              <a:t>application that relates to a specific topic. These topics can be as open-ended (Code an AI app!) </a:t>
-            </a:r>
-            <a:r>
-              <a:rPr lang="en-US" sz="2400" dirty="0" smtClean="0"/>
-              <a:t>or specific </a:t>
-            </a:r>
-            <a:r>
-              <a:rPr lang="en-US" sz="2400" dirty="0"/>
-              <a:t>(Use </a:t>
-            </a:r>
-            <a:r>
-              <a:rPr lang="en-US" sz="2400" dirty="0" err="1"/>
-              <a:t>PyTorch</a:t>
-            </a:r>
-            <a:r>
-              <a:rPr lang="en-US" sz="2400" dirty="0"/>
-              <a:t> to create a price prediction app).</a:t>
-            </a:r>
-            <a:endParaRPr kumimoji="0" lang="fr-CH" sz="2400" b="0" i="0" u="none" strike="noStrike" kern="1200" cap="none" spc="0" normalizeH="0" baseline="0" noProof="0" dirty="0" smtClean="0">
-              <a:ln>
-                <a:noFill/>
-              </a:ln>
-              <a:solidFill>
-                <a:schemeClr val="tx1"/>
-              </a:solidFill>
-              <a:effectLst/>
-              <a:uLnTx/>
-              <a:uFillTx/>
-              <a:latin typeface="+mn-lt"/>
-              <a:ea typeface="+mn-ea"/>
-              <a:cs typeface="+mn-cs"/>
-            </a:endParaRPr>
-          </a:p>
-        </p:txBody>
-      </p:sp>
-      <p:sp>
-        <p:nvSpPr>
-          <p:cNvPr id="12" name="Oval Callout 11"/>
-          <p:cNvSpPr/>
-          <p:nvPr/>
-        </p:nvSpPr>
-        <p:spPr>
-          <a:xfrm rot="444852">
-            <a:off x="1955517" y="2166286"/>
-            <a:ext cx="6285314" cy="2885468"/>
-          </a:xfrm>
-          <a:prstGeom prst="wedgeEllipseCallout">
-            <a:avLst>
-              <a:gd name="adj1" fmla="val -35180"/>
-              <a:gd name="adj2" fmla="val 57803"/>
-            </a:avLst>
-          </a:prstGeom>
-        </p:spPr>
-        <p:style>
-          <a:lnRef idx="2">
-            <a:schemeClr val="accent6">
-              <a:shade val="50000"/>
-            </a:schemeClr>
-          </a:lnRef>
-          <a:fillRef idx="1">
-            <a:schemeClr val="accent6"/>
-          </a:fillRef>
-          <a:effectRef idx="0">
-            <a:schemeClr val="accent6"/>
-          </a:effectRef>
-          <a:fontRef idx="minor">
-            <a:schemeClr val="lt1"/>
-          </a:fontRef>
-        </p:style>
-        <p:txBody>
-          <a:bodyPr rtlCol="0" anchor="ctr"/>
-          <a:lstStyle/>
-          <a:p>
-            <a:pPr algn="ctr"/>
-            <a:r>
-              <a:rPr lang="en-US" dirty="0" smtClean="0"/>
-              <a:t>Reflecting “</a:t>
-            </a:r>
-            <a:r>
-              <a:rPr lang="en-US" dirty="0"/>
-              <a:t>help solve the world’s most difficult problems</a:t>
-            </a:r>
-            <a:r>
-              <a:rPr lang="en-US" dirty="0" smtClean="0"/>
-              <a:t>” in our purpose, I’d love to include</a:t>
-            </a:r>
-            <a:br>
-              <a:rPr lang="en-US" dirty="0" smtClean="0"/>
-            </a:br>
-            <a:r>
-              <a:rPr lang="en-US" dirty="0" smtClean="0"/>
-              <a:t>1)Ideation Session to find interesting and meaningful problems, along with</a:t>
-            </a:r>
-            <a:br>
-              <a:rPr lang="en-US" dirty="0" smtClean="0"/>
-            </a:br>
-            <a:r>
-              <a:rPr lang="en-US" dirty="0" smtClean="0"/>
-              <a:t>2)Projects to work on them,</a:t>
-            </a:r>
-            <a:br>
-              <a:rPr lang="en-US" dirty="0" smtClean="0"/>
-            </a:br>
-            <a:r>
-              <a:rPr lang="en-US" dirty="0" smtClean="0"/>
-              <a:t>and</a:t>
-            </a:r>
-            <a:br>
-              <a:rPr lang="en-US" dirty="0" smtClean="0"/>
-            </a:br>
-            <a:r>
-              <a:rPr lang="en-US" dirty="0" smtClean="0"/>
-              <a:t>3)Session to work on </a:t>
-            </a:r>
-            <a:r>
-              <a:rPr lang="en-US" dirty="0" err="1" smtClean="0"/>
-              <a:t>Kaggle</a:t>
-            </a:r>
-            <a:r>
-              <a:rPr lang="en-US" dirty="0" smtClean="0"/>
-              <a:t> together</a:t>
-            </a:r>
-            <a:endParaRPr lang="en-US" dirty="0"/>
-          </a:p>
-        </p:txBody>
-      </p:sp>
-    </p:spTree>
-  </p:cSld>
-  <p:clrMapOvr>
-    <a:masterClrMapping/>
-  </p:clrMapOvr>
-</p:sld>
-</file>
-
-<file path=ppt/slides/slide12.xml><?xml version="1.0" encoding="utf-8"?>
-<p:sld xmlns:a="http://schemas.openxmlformats.org/drawingml/2006/main" xmlns:r="http://schemas.openxmlformats.org/officeDocument/2006/relationships" xmlns:p="http://schemas.openxmlformats.org/presentationml/2006/main">
-  <p:cSld>
-    <p:spTree>
-      <p:nvGrpSpPr>
-        <p:cNvPr id="1" name=""/>
-        <p:cNvGrpSpPr/>
-        <p:nvPr/>
-      </p:nvGrpSpPr>
-      <p:grpSpPr>
-        <a:xfrm>
-          <a:off x="0" y="0"/>
-          <a:ext cx="0" cy="0"/>
-          <a:chOff x="0" y="0"/>
-          <a:chExt cx="0" cy="0"/>
-        </a:xfrm>
-      </p:grpSpPr>
-      <p:sp>
-        <p:nvSpPr>
-          <p:cNvPr id="9" name="Title 8"/>
-          <p:cNvSpPr>
-            <a:spLocks noGrp="1"/>
-          </p:cNvSpPr>
-          <p:nvPr>
-            <p:ph type="title"/>
-          </p:nvPr>
-        </p:nvSpPr>
-        <p:spPr/>
-        <p:txBody>
-          <a:bodyPr/>
-          <a:lstStyle/>
-          <a:p>
-            <a:r>
-              <a:rPr lang="fr-CH" dirty="0" err="1" smtClean="0"/>
-              <a:t>Prerequisites</a:t>
-            </a:r>
-            <a:endParaRPr lang="fr-CH" dirty="0"/>
-          </a:p>
-        </p:txBody>
-      </p:sp>
-      <p:sp>
-        <p:nvSpPr>
-          <p:cNvPr id="10" name="Content Placeholder 9"/>
-          <p:cNvSpPr>
-            <a:spLocks noGrp="1"/>
-          </p:cNvSpPr>
-          <p:nvPr>
-            <p:ph idx="1"/>
-          </p:nvPr>
-        </p:nvSpPr>
-        <p:spPr/>
-        <p:txBody>
-          <a:bodyPr/>
-          <a:lstStyle/>
-          <a:p>
-            <a:r>
-              <a:rPr lang="fr-CH" dirty="0" smtClean="0"/>
-              <a:t>A lot!</a:t>
-            </a:r>
-          </a:p>
-          <a:p>
-            <a:r>
-              <a:rPr lang="fr-CH" dirty="0" smtClean="0"/>
-              <a:t>Just basic Python </a:t>
-            </a:r>
-            <a:r>
-              <a:rPr lang="fr-CH" dirty="0" err="1" smtClean="0"/>
-              <a:t>syntax</a:t>
-            </a:r>
-            <a:endParaRPr lang="fr-CH" dirty="0" smtClean="0"/>
-          </a:p>
-        </p:txBody>
-      </p:sp>
-    </p:spTree>
-  </p:cSld>
-  <p:clrMapOvr>
-    <a:masterClrMapping/>
-  </p:clrMapOvr>
-</p:sld>
-</file>
-
-<file path=ppt/slides/slide13.xml><?xml version="1.0" encoding="utf-8"?>
 <p:sld xmlns:a="http://schemas.openxmlformats.org/drawingml/2006/main" xmlns:r="http://schemas.openxmlformats.org/officeDocument/2006/relationships" xmlns:p="http://schemas.openxmlformats.org/presentationml/2006/main">
   <p:cSld>
     <p:spTree>
@@ -4094,6 +3412,449 @@
 </p:sld>
 </file>
 
+<file path=ppt/slides/slide11.xml><?xml version="1.0" encoding="utf-8"?>
+<p:sld xmlns:a="http://schemas.openxmlformats.org/drawingml/2006/main" xmlns:r="http://schemas.openxmlformats.org/officeDocument/2006/relationships" xmlns:p="http://schemas.openxmlformats.org/presentationml/2006/main">
+  <p:cSld>
+    <p:spTree>
+      <p:nvGrpSpPr>
+        <p:cNvPr id="1" name=""/>
+        <p:cNvGrpSpPr/>
+        <p:nvPr/>
+      </p:nvGrpSpPr>
+      <p:grpSpPr>
+        <a:xfrm>
+          <a:off x="0" y="0"/>
+          <a:ext cx="0" cy="0"/>
+          <a:chOff x="0" y="0"/>
+          <a:chExt cx="0" cy="0"/>
+        </a:xfrm>
+      </p:grpSpPr>
+      <p:sp>
+        <p:nvSpPr>
+          <p:cNvPr id="2" name="Title 1"/>
+          <p:cNvSpPr>
+            <a:spLocks noGrp="1"/>
+          </p:cNvSpPr>
+          <p:nvPr>
+            <p:ph type="title"/>
+          </p:nvPr>
+        </p:nvSpPr>
+        <p:spPr/>
+        <p:txBody>
+          <a:bodyPr/>
+          <a:lstStyle/>
+          <a:p>
+            <a:r>
+              <a:rPr lang="fr-CH" dirty="0" err="1" smtClean="0"/>
+              <a:t>Meetup</a:t>
+            </a:r>
+            <a:r>
+              <a:rPr lang="fr-CH" dirty="0" smtClean="0"/>
+              <a:t> </a:t>
+            </a:r>
+            <a:r>
+              <a:rPr lang="fr-CH" dirty="0" err="1" smtClean="0"/>
+              <a:t>Ideas</a:t>
+            </a:r>
+            <a:r>
+              <a:rPr lang="fr-CH" dirty="0" smtClean="0"/>
+              <a:t> to </a:t>
+            </a:r>
+            <a:r>
+              <a:rPr lang="fr-CH" dirty="0" err="1" smtClean="0"/>
+              <a:t>discuss</a:t>
+            </a:r>
+            <a:endParaRPr lang="fr-CH" dirty="0"/>
+          </a:p>
+        </p:txBody>
+      </p:sp>
+      <p:sp>
+        <p:nvSpPr>
+          <p:cNvPr id="4" name="Text Placeholder 3"/>
+          <p:cNvSpPr>
+            <a:spLocks noGrp="1"/>
+          </p:cNvSpPr>
+          <p:nvPr>
+            <p:ph type="body" idx="1"/>
+          </p:nvPr>
+        </p:nvSpPr>
+        <p:spPr>
+          <a:xfrm>
+            <a:off x="539552" y="1556792"/>
+            <a:ext cx="8280920" cy="4680520"/>
+          </a:xfrm>
+        </p:spPr>
+        <p:txBody>
+          <a:bodyPr>
+            <a:normAutofit fontScale="77500" lnSpcReduction="20000"/>
+          </a:bodyPr>
+          <a:lstStyle/>
+          <a:p>
+            <a:pPr marL="342900" indent="-342900">
+              <a:lnSpc>
+                <a:spcPct val="120000"/>
+              </a:lnSpc>
+              <a:buFontTx/>
+              <a:buChar char="-"/>
+            </a:pPr>
+            <a:r>
+              <a:rPr lang="fr-CH" dirty="0" smtClean="0"/>
+              <a:t>Lightning </a:t>
+            </a:r>
+            <a:r>
+              <a:rPr lang="fr-CH" dirty="0" err="1" smtClean="0"/>
+              <a:t>Talks</a:t>
+            </a:r>
+            <a:r>
+              <a:rPr lang="fr-CH" dirty="0" smtClean="0"/>
+              <a:t> / </a:t>
+            </a:r>
+            <a:r>
+              <a:rPr lang="fr-CH" dirty="0" err="1" smtClean="0"/>
+              <a:t>Presentations</a:t>
+            </a:r>
+            <a:endParaRPr lang="fr-CH" dirty="0" smtClean="0"/>
+          </a:p>
+          <a:p>
+            <a:pPr marL="342900" indent="-342900">
+              <a:lnSpc>
+                <a:spcPct val="120000"/>
+              </a:lnSpc>
+              <a:buFontTx/>
+              <a:buChar char="-"/>
+            </a:pPr>
+            <a:r>
+              <a:rPr lang="fr-CH" dirty="0" smtClean="0"/>
+              <a:t>Classes to </a:t>
+            </a:r>
+            <a:r>
+              <a:rPr lang="fr-CH" dirty="0" err="1" smtClean="0"/>
+              <a:t>teach</a:t>
+            </a:r>
+            <a:r>
+              <a:rPr lang="fr-CH" dirty="0" smtClean="0"/>
+              <a:t> </a:t>
+            </a:r>
+            <a:r>
+              <a:rPr lang="fr-CH" dirty="0" err="1" smtClean="0"/>
+              <a:t>each</a:t>
+            </a:r>
+            <a:r>
+              <a:rPr lang="fr-CH" dirty="0" smtClean="0"/>
+              <a:t> </a:t>
+            </a:r>
+            <a:r>
+              <a:rPr lang="fr-CH" dirty="0" err="1" smtClean="0"/>
+              <a:t>other</a:t>
+            </a:r>
+            <a:endParaRPr lang="fr-CH" dirty="0" smtClean="0"/>
+          </a:p>
+          <a:p>
+            <a:pPr marL="342900" indent="-342900">
+              <a:lnSpc>
+                <a:spcPct val="120000"/>
+              </a:lnSpc>
+              <a:buFontTx/>
+              <a:buChar char="-"/>
+            </a:pPr>
+            <a:r>
+              <a:rPr lang="fr-CH" dirty="0" err="1" smtClean="0"/>
+              <a:t>Study</a:t>
+            </a:r>
+            <a:r>
+              <a:rPr lang="fr-CH" dirty="0" smtClean="0"/>
+              <a:t> Group</a:t>
+            </a:r>
+            <a:endParaRPr lang="fr-CH" dirty="0"/>
+          </a:p>
+          <a:p>
+            <a:pPr marL="800100" lvl="1" indent="-342900">
+              <a:lnSpc>
+                <a:spcPct val="120000"/>
+              </a:lnSpc>
+              <a:buFontTx/>
+              <a:buChar char="-"/>
+            </a:pPr>
+            <a:r>
+              <a:rPr lang="fr-CH" b="0" dirty="0" err="1" smtClean="0"/>
+              <a:t>Research</a:t>
+            </a:r>
+            <a:r>
+              <a:rPr lang="fr-CH" b="0" dirty="0" smtClean="0"/>
+              <a:t> </a:t>
+            </a:r>
+            <a:r>
+              <a:rPr lang="fr-CH" b="0" dirty="0" err="1" smtClean="0"/>
+              <a:t>Papers</a:t>
+            </a:r>
+            <a:endParaRPr lang="fr-CH" b="0" dirty="0" smtClean="0"/>
+          </a:p>
+          <a:p>
+            <a:pPr marL="800100" lvl="1" indent="-342900">
+              <a:lnSpc>
+                <a:spcPct val="120000"/>
+              </a:lnSpc>
+              <a:buFontTx/>
+              <a:buChar char="-"/>
+            </a:pPr>
+            <a:r>
+              <a:rPr lang="fr-CH" b="0" dirty="0" err="1" smtClean="0"/>
+              <a:t>MOOCs</a:t>
+            </a:r>
+            <a:endParaRPr lang="fr-CH" b="0" dirty="0" smtClean="0"/>
+          </a:p>
+          <a:p>
+            <a:pPr marL="800100" lvl="1" indent="-342900">
+              <a:lnSpc>
+                <a:spcPct val="120000"/>
+              </a:lnSpc>
+              <a:buFontTx/>
+              <a:buChar char="-"/>
+            </a:pPr>
+            <a:r>
+              <a:rPr lang="fr-CH" b="0" dirty="0" err="1" smtClean="0"/>
+              <a:t>Textbooks</a:t>
+            </a:r>
+            <a:endParaRPr lang="fr-CH" b="0" dirty="0" smtClean="0"/>
+          </a:p>
+          <a:p>
+            <a:pPr marL="342900" indent="-342900">
+              <a:lnSpc>
+                <a:spcPct val="120000"/>
+              </a:lnSpc>
+              <a:buFontTx/>
+              <a:buChar char="-"/>
+            </a:pPr>
+            <a:r>
+              <a:rPr lang="fr-CH" dirty="0" smtClean="0"/>
+              <a:t>Hands-on Workshop</a:t>
+            </a:r>
+          </a:p>
+          <a:p>
+            <a:pPr marL="800100" lvl="1" indent="-342900">
+              <a:lnSpc>
+                <a:spcPct val="120000"/>
+              </a:lnSpc>
+              <a:buFontTx/>
+              <a:buChar char="-"/>
+            </a:pPr>
+            <a:r>
+              <a:rPr lang="fr-CH" b="0" dirty="0" err="1" smtClean="0"/>
+              <a:t>Involves</a:t>
+            </a:r>
+            <a:r>
+              <a:rPr lang="fr-CH" b="0" dirty="0" smtClean="0"/>
+              <a:t> </a:t>
+            </a:r>
+            <a:r>
+              <a:rPr lang="fr-CH" b="0" dirty="0" err="1" smtClean="0"/>
+              <a:t>coding</a:t>
+            </a:r>
+            <a:r>
+              <a:rPr lang="fr-CH" b="0" dirty="0" smtClean="0"/>
+              <a:t>, </a:t>
+            </a:r>
+            <a:r>
+              <a:rPr lang="fr-CH" b="0" dirty="0" err="1" smtClean="0"/>
+              <a:t>following</a:t>
+            </a:r>
+            <a:r>
+              <a:rPr lang="fr-CH" b="0" dirty="0" smtClean="0"/>
+              <a:t> </a:t>
+            </a:r>
+            <a:r>
+              <a:rPr lang="fr-CH" b="0" dirty="0" err="1" smtClean="0"/>
+              <a:t>presenter’s</a:t>
+            </a:r>
+            <a:r>
+              <a:rPr lang="fr-CH" b="0" dirty="0" smtClean="0"/>
+              <a:t> guides</a:t>
+            </a:r>
+          </a:p>
+          <a:p>
+            <a:pPr marL="342900" indent="-342900">
+              <a:lnSpc>
+                <a:spcPct val="120000"/>
+              </a:lnSpc>
+              <a:buFontTx/>
+              <a:buChar char="-"/>
+            </a:pPr>
+            <a:r>
+              <a:rPr lang="fr-CH" dirty="0" err="1" smtClean="0"/>
+              <a:t>Hachathon</a:t>
+            </a:r>
+            <a:endParaRPr lang="fr-CH" dirty="0" smtClean="0"/>
+          </a:p>
+          <a:p>
+            <a:pPr marL="800100" lvl="1" indent="-342900">
+              <a:lnSpc>
+                <a:spcPct val="120000"/>
+              </a:lnSpc>
+              <a:buFontTx/>
+              <a:buChar char="-"/>
+            </a:pPr>
+            <a:r>
+              <a:rPr lang="fr-CH" b="0" dirty="0" err="1" smtClean="0"/>
+              <a:t>Creating</a:t>
+            </a:r>
+            <a:r>
+              <a:rPr lang="fr-CH" b="0" dirty="0" smtClean="0"/>
+              <a:t> an AI application</a:t>
+            </a:r>
+          </a:p>
+          <a:p>
+            <a:pPr marL="342900" indent="-342900">
+              <a:lnSpc>
+                <a:spcPct val="120000"/>
+              </a:lnSpc>
+              <a:buFontTx/>
+              <a:buChar char="-"/>
+            </a:pPr>
+            <a:r>
+              <a:rPr lang="fr-CH" dirty="0" err="1" smtClean="0"/>
+              <a:t>Ideation</a:t>
+            </a:r>
+            <a:r>
+              <a:rPr lang="fr-CH" dirty="0" smtClean="0"/>
+              <a:t> Session</a:t>
+            </a:r>
+          </a:p>
+          <a:p>
+            <a:pPr marL="800100" lvl="1" indent="-342900">
+              <a:lnSpc>
+                <a:spcPct val="120000"/>
+              </a:lnSpc>
+              <a:buFontTx/>
+              <a:buChar char="-"/>
+            </a:pPr>
+            <a:r>
+              <a:rPr lang="fr-CH" b="0" dirty="0" smtClean="0"/>
+              <a:t>To </a:t>
+            </a:r>
+            <a:r>
+              <a:rPr lang="fr-CH" b="0" dirty="0" err="1" smtClean="0"/>
+              <a:t>find</a:t>
+            </a:r>
+            <a:r>
+              <a:rPr lang="fr-CH" b="0" dirty="0" smtClean="0"/>
+              <a:t> </a:t>
+            </a:r>
+            <a:r>
+              <a:rPr lang="fr-CH" b="0" dirty="0" err="1" smtClean="0"/>
+              <a:t>interesting</a:t>
+            </a:r>
+            <a:r>
+              <a:rPr lang="fr-CH" b="0" dirty="0"/>
+              <a:t> </a:t>
+            </a:r>
+            <a:r>
+              <a:rPr lang="fr-CH" b="0" dirty="0" smtClean="0"/>
+              <a:t>and </a:t>
+            </a:r>
+            <a:r>
+              <a:rPr lang="fr-CH" b="0" dirty="0" err="1" smtClean="0"/>
+              <a:t>meaningful</a:t>
+            </a:r>
+            <a:r>
+              <a:rPr lang="fr-CH" b="0" dirty="0" smtClean="0"/>
+              <a:t> </a:t>
+            </a:r>
+            <a:r>
+              <a:rPr lang="fr-CH" b="0" dirty="0" err="1" smtClean="0"/>
+              <a:t>problems</a:t>
+            </a:r>
+            <a:r>
+              <a:rPr lang="fr-CH" b="0" dirty="0" smtClean="0"/>
+              <a:t> to </a:t>
+            </a:r>
+            <a:r>
+              <a:rPr lang="fr-CH" b="0" dirty="0" err="1" smtClean="0"/>
+              <a:t>work</a:t>
+            </a:r>
+            <a:r>
+              <a:rPr lang="fr-CH" b="0" dirty="0" smtClean="0"/>
+              <a:t> on </a:t>
+            </a:r>
+            <a:r>
+              <a:rPr lang="fr-CH" b="0" dirty="0" err="1" smtClean="0"/>
+              <a:t>together</a:t>
+            </a:r>
+            <a:endParaRPr lang="fr-CH" b="0" dirty="0" smtClean="0"/>
+          </a:p>
+          <a:p>
+            <a:pPr marL="342900" indent="-342900">
+              <a:lnSpc>
+                <a:spcPct val="120000"/>
+              </a:lnSpc>
+              <a:buFontTx/>
+              <a:buChar char="-"/>
+            </a:pPr>
+            <a:r>
+              <a:rPr lang="fr-CH" dirty="0" smtClean="0"/>
+              <a:t>Team </a:t>
+            </a:r>
+            <a:r>
+              <a:rPr lang="fr-CH" dirty="0" err="1" smtClean="0"/>
+              <a:t>Projects</a:t>
+            </a:r>
+            <a:endParaRPr lang="fr-CH" dirty="0" smtClean="0"/>
+          </a:p>
+          <a:p>
+            <a:pPr marL="342900" indent="-342900">
+              <a:lnSpc>
+                <a:spcPct val="120000"/>
+              </a:lnSpc>
+              <a:buFontTx/>
+              <a:buChar char="-"/>
+            </a:pPr>
+            <a:r>
+              <a:rPr lang="fr-CH" dirty="0" err="1" smtClean="0"/>
+              <a:t>Work</a:t>
+            </a:r>
+            <a:r>
+              <a:rPr lang="fr-CH" dirty="0" smtClean="0"/>
+              <a:t> on </a:t>
+            </a:r>
+            <a:r>
+              <a:rPr lang="fr-CH" dirty="0" err="1" smtClean="0"/>
+              <a:t>Kaggle</a:t>
+            </a:r>
+            <a:r>
+              <a:rPr lang="fr-CH" dirty="0" smtClean="0"/>
+              <a:t>(-</a:t>
+            </a:r>
+            <a:r>
+              <a:rPr lang="fr-CH" dirty="0" err="1" smtClean="0"/>
+              <a:t>like</a:t>
+            </a:r>
+            <a:r>
+              <a:rPr lang="fr-CH" dirty="0" smtClean="0"/>
+              <a:t>) </a:t>
+            </a:r>
+            <a:r>
+              <a:rPr lang="fr-CH" dirty="0" err="1" smtClean="0"/>
+              <a:t>competition</a:t>
+            </a:r>
+            <a:r>
+              <a:rPr lang="fr-CH" dirty="0" smtClean="0"/>
+              <a:t> </a:t>
+            </a:r>
+            <a:r>
+              <a:rPr lang="fr-CH" dirty="0" err="1" smtClean="0"/>
+              <a:t>together</a:t>
+            </a:r>
+            <a:endParaRPr lang="fr-CH" dirty="0" smtClean="0"/>
+          </a:p>
+        </p:txBody>
+      </p:sp>
+    </p:spTree>
+  </p:cSld>
+  <p:clrMapOvr>
+    <a:masterClrMapping/>
+  </p:clrMapOvr>
+</p:sld>
+</file>
+
 <file path=ppt/slides/slide2.xml><?xml version="1.0" encoding="utf-8"?>
 <p:sld xmlns:a="http://schemas.openxmlformats.org/drawingml/2006/main" xmlns:r="http://schemas.openxmlformats.org/officeDocument/2006/relationships" xmlns:p="http://schemas.openxmlformats.org/presentationml/2006/main">
   <p:cSld>
@@ -4224,7 +3985,6 @@
               <a:rPr lang="en-US" dirty="0"/>
               <a:t>vision as an engineer is not only to create beautiful products, but to bring people together and connect communities through beautiful products.</a:t>
             </a:r>
-            <a:endParaRPr lang="en-US" dirty="0"/>
           </a:p>
         </p:txBody>
       </p:sp>
@@ -4471,11 +4231,15 @@
           <a:p>
             <a:r>
               <a:rPr lang="fr-CH" dirty="0" err="1" smtClean="0"/>
-              <a:t>Problems</a:t>
+              <a:t>Difficulties</a:t>
             </a:r>
             <a:r>
               <a:rPr lang="fr-CH" dirty="0" smtClean="0"/>
-              <a:t> in solo-</a:t>
+              <a:t> </a:t>
+            </a:r>
+            <a:r>
+              <a:rPr lang="fr-CH" dirty="0" smtClean="0"/>
+              <a:t>in solo-</a:t>
             </a:r>
             <a:r>
               <a:rPr lang="fr-CH" dirty="0" err="1" smtClean="0"/>
@@ -4508,7 +4272,7 @@
         </p:spPr>
         <p:txBody>
           <a:bodyPr vert="horz" lIns="91440" tIns="45720" rIns="91440" bIns="45720" rtlCol="0">
-            <a:normAutofit fontScale="92500" lnSpcReduction="10000"/>
+            <a:normAutofit lnSpcReduction="10000"/>
           </a:bodyPr>
           <a:lstStyle>
             <a:lvl1pPr marL="342900" indent="-342900" algn="l" defTabSz="914400" rtl="0" eaLnBrk="1" latinLnBrk="0" hangingPunct="1">
@@ -4649,39 +4413,37 @@
           </a:lstStyle>
           <a:p>
             <a:pPr marL="0" indent="0" algn="just">
-              <a:buFont typeface="Arial" pitchFamily="34" charset="0"/>
               <a:buNone/>
             </a:pPr>
             <a:r>
-              <a:rPr lang="en-US" sz="3000" dirty="0" smtClean="0"/>
-              <a:t>Difficulties in …</a:t>
-            </a:r>
-          </a:p>
-          <a:p>
-            <a:pPr marL="0" indent="0" algn="just">
-              <a:buFont typeface="Arial" pitchFamily="34" charset="0"/>
+              <a:rPr lang="en-US" sz="2400" dirty="0" smtClean="0"/>
+              <a:t>Completing </a:t>
+            </a:r>
+            <a:r>
+              <a:rPr lang="en-US" sz="2400" dirty="0" smtClean="0"/>
+              <a:t>MOOCS / </a:t>
+            </a:r>
+            <a:r>
+              <a:rPr lang="en-US" sz="2400" dirty="0" smtClean="0"/>
+              <a:t>Textbooks by yourself</a:t>
+            </a:r>
+            <a:endParaRPr lang="en-US" sz="2400" dirty="0" smtClean="0"/>
+          </a:p>
+          <a:p>
+            <a:pPr marL="457200" lvl="1" indent="0" algn="just">
               <a:buNone/>
             </a:pPr>
-            <a:endParaRPr lang="en-US" sz="1100" dirty="0" smtClean="0"/>
-          </a:p>
-          <a:p>
-            <a:pPr algn="just"/>
-            <a:r>
-              <a:rPr lang="en-US" sz="2400" dirty="0" smtClean="0"/>
-              <a:t>Completing MOOCS / Textbooks</a:t>
-            </a:r>
-          </a:p>
-          <a:p>
-            <a:pPr lvl="1" algn="just"/>
-            <a:r>
-              <a:rPr lang="en-US" sz="1600" dirty="0" smtClean="0"/>
+            <a:r>
+              <a:rPr lang="en-US" sz="1800" dirty="0" smtClean="0"/>
               <a:t>There are tons of world-class AI education materials up there. But it’s just hard to complete by yourself!</a:t>
             </a:r>
           </a:p>
           <a:p>
-            <a:pPr lvl="1" algn="just"/>
-            <a:r>
-              <a:rPr lang="en-US" sz="1600" dirty="0" smtClean="0"/>
+            <a:pPr marL="457200" lvl="1" indent="0" algn="just">
+              <a:buNone/>
+            </a:pPr>
+            <a:r>
+              <a:rPr lang="en-US" sz="1800" dirty="0" smtClean="0"/>
               <a:t>Data shows you need positive pressures from others to reach the end.</a:t>
             </a:r>
           </a:p>
@@ -4886,11 +4648,15 @@
           <a:p>
             <a:r>
               <a:rPr lang="fr-CH" dirty="0" err="1" smtClean="0"/>
-              <a:t>Problems</a:t>
+              <a:t>Difficulties</a:t>
             </a:r>
             <a:r>
               <a:rPr lang="fr-CH" dirty="0" smtClean="0"/>
-              <a:t> in solo-</a:t>
+              <a:t> </a:t>
+            </a:r>
+            <a:r>
+              <a:rPr lang="fr-CH" dirty="0" smtClean="0"/>
+              <a:t>in solo-</a:t>
             </a:r>
             <a:r>
               <a:rPr lang="fr-CH" dirty="0" err="1" smtClean="0"/>
@@ -4906,7 +4672,7 @@
       </p:sp>
       <p:sp>
         <p:nvSpPr>
-          <p:cNvPr id="6" name="Content Placeholder 4"/>
+          <p:cNvPr id="8" name="Content Placeholder 4"/>
           <p:cNvSpPr txBox="1">
             <a:spLocks/>
           </p:cNvSpPr>
@@ -4923,7 +4689,7 @@
         </p:spPr>
         <p:txBody>
           <a:bodyPr vert="horz" lIns="91440" tIns="45720" rIns="91440" bIns="45720" rtlCol="0">
-            <a:normAutofit fontScale="92500" lnSpcReduction="10000"/>
+            <a:normAutofit lnSpcReduction="10000"/>
           </a:bodyPr>
           <a:lstStyle>
             <a:lvl1pPr marL="342900" indent="-342900" algn="l" defTabSz="914400" rtl="0" eaLnBrk="1" latinLnBrk="0" hangingPunct="1">
@@ -5064,57 +4830,97 @@
           </a:lstStyle>
           <a:p>
             <a:pPr marL="0" indent="0" algn="just">
-              <a:buFont typeface="Arial" pitchFamily="34" charset="0"/>
               <a:buNone/>
             </a:pPr>
             <a:r>
-              <a:rPr lang="en-US" sz="3000" dirty="0" smtClean="0"/>
-              <a:t>Difficulties in …</a:t>
-            </a:r>
-          </a:p>
-          <a:p>
-            <a:pPr marL="0" indent="0" algn="just">
-              <a:buFont typeface="Arial" pitchFamily="34" charset="0"/>
+              <a:rPr lang="en-US" sz="2400" dirty="0" smtClean="0"/>
+              <a:t>Really </a:t>
+            </a:r>
+            <a:r>
+              <a:rPr lang="en-US" sz="2400" dirty="0"/>
+              <a:t>c</a:t>
+            </a:r>
+            <a:r>
+              <a:rPr lang="en-US" sz="2400" dirty="0" smtClean="0"/>
+              <a:t>onfirming </a:t>
+            </a:r>
+            <a:r>
+              <a:rPr lang="en-US" sz="2400" dirty="0"/>
+              <a:t>your understanding</a:t>
+            </a:r>
+          </a:p>
+          <a:p>
+            <a:pPr marL="457200" lvl="1" indent="0">
               <a:buNone/>
             </a:pPr>
-            <a:endParaRPr lang="en-US" sz="1100" dirty="0" smtClean="0"/>
+            <a:r>
+              <a:rPr lang="en-US" sz="1800" dirty="0"/>
+              <a:t>You can learn more by teaching, and </a:t>
+            </a:r>
+            <a:r>
+              <a:rPr lang="en-US" sz="1800" dirty="0" smtClean="0"/>
+              <a:t>by teaching you </a:t>
+            </a:r>
+            <a:r>
+              <a:rPr lang="en-US" sz="1800" dirty="0"/>
+              <a:t>can really confirm your </a:t>
+            </a:r>
+            <a:r>
+              <a:rPr lang="en-US" sz="1800" dirty="0" smtClean="0"/>
+              <a:t>understanding.</a:t>
+            </a:r>
+            <a:br>
+              <a:rPr lang="en-US" sz="1800" dirty="0" smtClean="0"/>
+            </a:br>
+            <a:r>
+              <a:rPr lang="en-US" sz="1800" dirty="0" smtClean="0"/>
+              <a:t>We all know </a:t>
+            </a:r>
+            <a:r>
+              <a:rPr lang="en-US" sz="1800" dirty="0"/>
+              <a:t>that, but finding </a:t>
+            </a:r>
+            <a:r>
+              <a:rPr lang="en-US" sz="1800" dirty="0" smtClean="0"/>
+              <a:t>a teaching opportunity is </a:t>
+            </a:r>
+            <a:r>
+              <a:rPr lang="en-US" sz="1800" dirty="0"/>
+              <a:t>difficult when you are learning </a:t>
+            </a:r>
+            <a:r>
+              <a:rPr lang="en-US" sz="1800" dirty="0" smtClean="0"/>
+              <a:t>by yourself.</a:t>
+            </a:r>
+            <a:endParaRPr lang="en-US" sz="1800" dirty="0"/>
+          </a:p>
+          <a:p>
+            <a:pPr lvl="1" algn="just"/>
+            <a:endParaRPr lang="en-US" sz="2000" dirty="0" smtClean="0">
+              <a:solidFill>
+                <a:schemeClr val="bg1"/>
+              </a:solidFill>
+            </a:endParaRPr>
           </a:p>
           <a:p>
             <a:pPr algn="just"/>
             <a:r>
-              <a:rPr lang="en-US" sz="2400" dirty="0" smtClean="0"/>
-              <a:t>Completing MOOCS / Textbooks</a:t>
-            </a:r>
-          </a:p>
-          <a:p>
-            <a:pPr lvl="1" algn="just"/>
-            <a:r>
-              <a:rPr lang="en-US" sz="1600" dirty="0" smtClean="0"/>
-              <a:t>There are tons of world-class AI education materials up there. But it’s just hard to complete by yourself!</a:t>
-            </a:r>
-          </a:p>
-          <a:p>
-            <a:pPr lvl="1" algn="just"/>
-            <a:r>
-              <a:rPr lang="en-US" sz="1600" dirty="0" smtClean="0"/>
-              <a:t>Data shows you need positive pressures from others to reach the end.</a:t>
-            </a:r>
-          </a:p>
-          <a:p>
-            <a:pPr lvl="1" algn="just"/>
-            <a:endParaRPr lang="en-US" sz="2000" dirty="0" smtClean="0"/>
-          </a:p>
-          <a:p>
-            <a:pPr algn="just"/>
-            <a:r>
-              <a:rPr lang="en-US" sz="2400" dirty="0" smtClean="0"/>
+              <a:rPr lang="en-US" sz="2400" dirty="0" smtClean="0">
+                <a:solidFill>
+                  <a:schemeClr val="bg1"/>
+                </a:solidFill>
+              </a:rPr>
               <a:t>Confirming your understanding</a:t>
             </a:r>
           </a:p>
           <a:p>
             <a:pPr lvl="1"/>
             <a:r>
-              <a:rPr lang="en-US" sz="1600" dirty="0" smtClean="0"/>
+              <a:rPr lang="en-US" sz="1600" dirty="0" smtClean="0">
+                <a:solidFill>
+                  <a:schemeClr val="bg1"/>
+                </a:solidFill>
+              </a:rPr>
               <a:t>You can learn more by teaching, and you can really confirm your understanding by teaching. Everyone knows that, but finding an opportunity to teach is difficult when you are learning solo.</a:t>
             </a:r>
           </a:p>
@@ -5162,13 +4968,89 @@
           <a:p>
             <a:pPr lvl="1"/>
             <a:endParaRPr lang="en-US" sz="1600" dirty="0" smtClean="0"/>
+          </a:p>
+        </p:txBody>
+      </p:sp>
+      <p:pic>
+        <p:nvPicPr>
+          <p:cNvPr id="4" name="Picture 3"/>
+          <p:cNvPicPr>
+            <a:picLocks noChangeAspect="1"/>
+          </p:cNvPicPr>
+          <p:nvPr/>
+        </p:nvPicPr>
+        <p:blipFill>
+          <a:blip r:embed="rId2">
+            <a:extLst>
+              <a:ext uri="{28A0092B-C50C-407E-A947-70E740481C1C}">
+                <a14:useLocalDpi xmlns:a14="http://schemas.microsoft.com/office/drawing/2010/main" val="0"/>
+              </a:ext>
+            </a:extLst>
+          </a:blip>
+          <a:stretch>
+            <a:fillRect/>
+          </a:stretch>
+        </p:blipFill>
+        <p:spPr>
+          <a:xfrm>
+            <a:off x="2627784" y="3429000"/>
+            <a:ext cx="3672408" cy="3012255"/>
+          </a:xfrm>
+          <a:prstGeom prst="rect">
+            <a:avLst/>
+          </a:prstGeom>
+        </p:spPr>
+      </p:pic>
+      <p:sp>
+        <p:nvSpPr>
+          <p:cNvPr id="5" name="Rectangle 4"/>
+          <p:cNvSpPr/>
+          <p:nvPr/>
+        </p:nvSpPr>
+        <p:spPr>
+          <a:xfrm>
+            <a:off x="4572000" y="5949280"/>
+            <a:ext cx="1368152" cy="288032"/>
+          </a:xfrm>
+          <a:prstGeom prst="rect">
+            <a:avLst/>
+          </a:prstGeom>
+          <a:noFill/>
+          <a:ln w="38100">
+            <a:solidFill>
+              <a:srgbClr val="FF0000"/>
+            </a:solidFill>
+          </a:ln>
+        </p:spPr>
+        <p:style>
+          <a:lnRef idx="2">
+            <a:schemeClr val="accent1">
+              <a:shade val="50000"/>
+            </a:schemeClr>
+          </a:lnRef>
+          <a:fillRef idx="1">
+            <a:schemeClr val="accent1"/>
+          </a:fillRef>
+          <a:effectRef idx="0">
+            <a:schemeClr val="accent1"/>
+          </a:effectRef>
+          <a:fontRef idx="minor">
+            <a:schemeClr val="lt1"/>
+          </a:fontRef>
+        </p:style>
+        <p:txBody>
+          <a:bodyPr rtlCol="0" anchor="ctr"/>
+          <a:lstStyle/>
+          <a:p>
+            <a:pPr algn="ctr"/>
+            <a:endParaRPr lang="en-US"/>
           </a:p>
         </p:txBody>
       </p:sp>
     </p:spTree>
     <p:extLst>
       <p:ext uri="{BB962C8B-B14F-4D97-AF65-F5344CB8AC3E}">
-        <p14:creationId xmlns:p14="http://schemas.microsoft.com/office/powerpoint/2010/main" val="4004238866"/>
+        <p14:creationId xmlns:p14="http://schemas.microsoft.com/office/powerpoint/2010/main" val="140736573"/>
       </p:ext>
     </p:extLst>
   </p:cSld>
@@ -5212,11 +5094,15 @@
           <a:p>
             <a:r>
               <a:rPr lang="fr-CH" dirty="0" err="1" smtClean="0"/>
-              <a:t>Problems</a:t>
+              <a:t>Difficulties</a:t>
             </a:r>
             <a:r>
               <a:rPr lang="fr-CH" dirty="0" smtClean="0"/>
-              <a:t> in solo-</a:t>
+              <a:t> </a:t>
+            </a:r>
+            <a:r>
+              <a:rPr lang="fr-CH" dirty="0" smtClean="0"/>
+              <a:t>in solo-</a:t>
             </a:r>
             <a:r>
               <a:rPr lang="fr-CH" dirty="0" err="1" smtClean="0"/>
@@ -5232,82 +5118,215 @@
       </p:sp>
       <p:sp>
         <p:nvSpPr>
-          <p:cNvPr id="5" name="Content Placeholder 4"/>
-          <p:cNvSpPr>
-            <a:spLocks noGrp="1"/>
-          </p:cNvSpPr>
-          <p:nvPr>
-            <p:ph idx="1"/>
-          </p:nvPr>
+          <p:cNvPr id="8" name="Content Placeholder 4"/>
+          <p:cNvSpPr txBox="1">
+            <a:spLocks/>
+          </p:cNvSpPr>
+          <p:nvPr/>
         </p:nvSpPr>
         <p:spPr>
           <a:xfrm>
             <a:off x="539552" y="1700808"/>
             <a:ext cx="8229600" cy="4680520"/>
           </a:xfrm>
+          <a:prstGeom prst="rect">
+            <a:avLst/>
+          </a:prstGeom>
         </p:spPr>
         <p:txBody>
-          <a:bodyPr>
-            <a:normAutofit fontScale="92500" lnSpcReduction="10000"/>
+          <a:bodyPr vert="horz" lIns="91440" tIns="45720" rIns="91440" bIns="45720" rtlCol="0">
+            <a:normAutofit lnSpcReduction="10000"/>
           </a:bodyPr>
-          <a:lstStyle/>
+          <a:lstStyle>
+            <a:lvl1pPr marL="342900" indent="-342900" algn="l" defTabSz="914400" rtl="0" eaLnBrk="1" latinLnBrk="0" hangingPunct="1">
+              <a:spcBef>
+                <a:spcPct val="20000"/>
+              </a:spcBef>
+              <a:buFont typeface="Arial" pitchFamily="34" charset="0"/>
+              <a:buChar char="•"/>
+              <a:defRPr sz="3200" kern="1200">
+                <a:solidFill>
+                  <a:schemeClr val="tx1"/>
+                </a:solidFill>
+                <a:latin typeface="+mn-lt"/>
+                <a:ea typeface="+mn-ea"/>
+                <a:cs typeface="+mn-cs"/>
+              </a:defRPr>
+            </a:lvl1pPr>
+            <a:lvl2pPr marL="742950" indent="-285750" algn="l" defTabSz="914400" rtl="0" eaLnBrk="1" latinLnBrk="0" hangingPunct="1">
+              <a:spcBef>
+                <a:spcPct val="20000"/>
+              </a:spcBef>
+              <a:buFont typeface="Arial" pitchFamily="34" charset="0"/>
+              <a:buChar char="–"/>
+              <a:defRPr sz="2800" kern="1200">
+                <a:solidFill>
+                  <a:schemeClr val="tx1"/>
+                </a:solidFill>
+                <a:latin typeface="+mn-lt"/>
+                <a:ea typeface="+mn-ea"/>
+                <a:cs typeface="+mn-cs"/>
+              </a:defRPr>
+            </a:lvl2pPr>
+            <a:lvl3pPr marL="1143000" indent="-228600" algn="l" defTabSz="914400" rtl="0" eaLnBrk="1" latinLnBrk="0" hangingPunct="1">
+              <a:spcBef>
+                <a:spcPct val="20000"/>
+              </a:spcBef>
+              <a:buFont typeface="Arial" pitchFamily="34" charset="0"/>
+              <a:buChar char="•"/>
+              <a:defRPr sz="2400" kern="1200">
+                <a:solidFill>
+                  <a:schemeClr val="tx1"/>
+                </a:solidFill>
+                <a:latin typeface="+mn-lt"/>
+                <a:ea typeface="+mn-ea"/>
+                <a:cs typeface="+mn-cs"/>
+              </a:defRPr>
+            </a:lvl3pPr>
+            <a:lvl4pPr marL="1600200" indent="-228600" algn="l" defTabSz="914400" rtl="0" eaLnBrk="1" latinLnBrk="0" hangingPunct="1">
+              <a:spcBef>
+                <a:spcPct val="20000"/>
+              </a:spcBef>
+              <a:buFont typeface="Arial" pitchFamily="34" charset="0"/>
+              <a:buChar char="–"/>
+              <a:defRPr sz="2000" kern="1200">
+                <a:solidFill>
+                  <a:schemeClr val="tx1"/>
+                </a:solidFill>
+                <a:latin typeface="+mn-lt"/>
+                <a:ea typeface="+mn-ea"/>
+                <a:cs typeface="+mn-cs"/>
+              </a:defRPr>
+            </a:lvl4pPr>
+            <a:lvl5pPr marL="2057400" indent="-228600" algn="l" defTabSz="914400" rtl="0" eaLnBrk="1" latinLnBrk="0" hangingPunct="1">
+              <a:spcBef>
+                <a:spcPct val="20000"/>
+              </a:spcBef>
+              <a:buFont typeface="Arial" pitchFamily="34" charset="0"/>
+              <a:buChar char="»"/>
+              <a:defRPr sz="2000" kern="1200">
+                <a:solidFill>
+                  <a:schemeClr val="tx1"/>
+                </a:solidFill>
+                <a:latin typeface="+mn-lt"/>
+                <a:ea typeface="+mn-ea"/>
+                <a:cs typeface="+mn-cs"/>
+              </a:defRPr>
+            </a:lvl5pPr>
+            <a:lvl6pPr marL="2514600" indent="-228600" algn="l" defTabSz="914400" rtl="0" eaLnBrk="1" latinLnBrk="0" hangingPunct="1">
+              <a:spcBef>
+                <a:spcPct val="20000"/>
+              </a:spcBef>
+              <a:buFont typeface="Arial" pitchFamily="34" charset="0"/>
+              <a:buChar char="•"/>
+              <a:defRPr sz="2000" kern="1200">
+                <a:solidFill>
+                  <a:schemeClr val="tx1"/>
+                </a:solidFill>
+                <a:latin typeface="+mn-lt"/>
+                <a:ea typeface="+mn-ea"/>
+                <a:cs typeface="+mn-cs"/>
+              </a:defRPr>
+            </a:lvl6pPr>
+            <a:lvl7pPr marL="2971800" indent="-228600" algn="l" defTabSz="914400" rtl="0" eaLnBrk="1" latinLnBrk="0" hangingPunct="1">
+              <a:spcBef>
+                <a:spcPct val="20000"/>
+              </a:spcBef>
+              <a:buFont typeface="Arial" pitchFamily="34" charset="0"/>
+              <a:buChar char="•"/>
+              <a:defRPr sz="2000" kern="1200">
+                <a:solidFill>
+                  <a:schemeClr val="tx1"/>
+                </a:solidFill>
+                <a:latin typeface="+mn-lt"/>
+                <a:ea typeface="+mn-ea"/>
+                <a:cs typeface="+mn-cs"/>
+              </a:defRPr>
+            </a:lvl7pPr>
+            <a:lvl8pPr marL="3429000" indent="-228600" algn="l" defTabSz="914400" rtl="0" eaLnBrk="1" latinLnBrk="0" hangingPunct="1">
+              <a:spcBef>
+                <a:spcPct val="20000"/>
+              </a:spcBef>
+              <a:buFont typeface="Arial" pitchFamily="34" charset="0"/>
+              <a:buChar char="•"/>
+              <a:defRPr sz="2000" kern="1200">
+                <a:solidFill>
+                  <a:schemeClr val="tx1"/>
+                </a:solidFill>
+                <a:latin typeface="+mn-lt"/>
+                <a:ea typeface="+mn-ea"/>
+                <a:cs typeface="+mn-cs"/>
+              </a:defRPr>
+            </a:lvl8pPr>
+            <a:lvl9pPr marL="3886200" indent="-228600" algn="l" defTabSz="914400" rtl="0" eaLnBrk="1" latinLnBrk="0" hangingPunct="1">
+              <a:spcBef>
+                <a:spcPct val="20000"/>
+              </a:spcBef>
+              <a:buFont typeface="Arial" pitchFamily="34" charset="0"/>
+              <a:buChar char="•"/>
+              <a:defRPr sz="2000" kern="1200">
+                <a:solidFill>
+                  <a:schemeClr val="tx1"/>
+                </a:solidFill>
+                <a:latin typeface="+mn-lt"/>
+                <a:ea typeface="+mn-ea"/>
+                <a:cs typeface="+mn-cs"/>
+              </a:defRPr>
+            </a:lvl9pPr>
+          </a:lstStyle>
           <a:p>
             <a:pPr marL="0" indent="0" algn="just">
               <a:buNone/>
             </a:pPr>
             <a:r>
-              <a:rPr lang="en-US" sz="3000" dirty="0" smtClean="0"/>
-              <a:t>Difficulties in …</a:t>
-            </a:r>
-          </a:p>
-          <a:p>
-            <a:pPr marL="0" indent="0" algn="just">
+              <a:rPr lang="en-US" sz="2400" dirty="0"/>
+              <a:t>Building real-world Application</a:t>
+            </a:r>
+          </a:p>
+          <a:p>
+            <a:pPr marL="457200" lvl="1" indent="0">
               <a:buNone/>
             </a:pPr>
-            <a:endParaRPr lang="en-US" sz="1100" dirty="0" smtClean="0"/>
+            <a:r>
+              <a:rPr lang="en-US" sz="1800" dirty="0"/>
+              <a:t>You can learn theories and methods by yourself. You can also find tutorials using sample datasets yourself.</a:t>
+            </a:r>
+            <a:br>
+              <a:rPr lang="en-US" sz="1800" dirty="0"/>
+            </a:br>
+            <a:r>
+              <a:rPr lang="en-US" sz="1800" dirty="0"/>
+              <a:t>But finding a really interesting and meaningful problems for you to work on next is sometimes difficult.</a:t>
+            </a:r>
+          </a:p>
+          <a:p>
+            <a:pPr lvl="1" algn="just"/>
+            <a:endParaRPr lang="en-US" sz="2000" dirty="0" smtClean="0">
+              <a:solidFill>
+                <a:schemeClr val="bg1"/>
+              </a:solidFill>
+            </a:endParaRPr>
           </a:p>
           <a:p>
             <a:pPr algn="just"/>
             <a:r>
-              <a:rPr lang="en-US" sz="2400" dirty="0" smtClean="0"/>
-              <a:t>Completing MOOCS / Textbooks</a:t>
-            </a:r>
-          </a:p>
-          <a:p>
-            <a:pPr lvl="1" algn="just"/>
-            <a:r>
-              <a:rPr lang="en-US" sz="1600" dirty="0" smtClean="0"/>
-              <a:t>There are tons of world-class AI education materials up there. But it’s just hard to complete by yourself!</a:t>
-            </a:r>
-          </a:p>
-          <a:p>
-            <a:pPr lvl="1" algn="just"/>
-            <a:r>
-              <a:rPr lang="en-US" sz="1600" dirty="0" smtClean="0"/>
-              <a:t>Data shows you need positive pressures from others to reach the end.</a:t>
-            </a:r>
-          </a:p>
-          <a:p>
-            <a:pPr lvl="1" algn="just"/>
-            <a:endParaRPr lang="en-US" sz="2000" dirty="0"/>
-          </a:p>
-          <a:p>
-            <a:pPr algn="just"/>
-            <a:r>
-              <a:rPr lang="en-US" sz="2400" dirty="0" smtClean="0"/>
+              <a:rPr lang="en-US" sz="2400" dirty="0" smtClean="0">
+                <a:solidFill>
+                  <a:schemeClr val="bg1"/>
+                </a:solidFill>
+              </a:rPr>
               <a:t>Confirming your understanding</a:t>
             </a:r>
-            <a:endParaRPr lang="en-US" sz="2400" dirty="0"/>
           </a:p>
           <a:p>
             <a:pPr lvl="1"/>
             <a:r>
-              <a:rPr lang="en-US" sz="1600" dirty="0"/>
-              <a:t>You can learn more by </a:t>
-            </a:r>
-            <a:r>
-              <a:rPr lang="en-US" sz="1600" dirty="0" smtClean="0"/>
-              <a:t>teaching, and you can really confirm your understanding by teaching. Everyone knows that, but finding an opportunity to teach is difficult when you are learning solo.</a:t>
+              <a:rPr lang="en-US" sz="1600" dirty="0" smtClean="0">
+                <a:solidFill>
+                  <a:schemeClr val="bg1"/>
+                </a:solidFill>
+              </a:rPr>
+              <a:t>You can learn more by teaching, and you can really confirm your understanding by teaching. Everyone knows that, but finding an opportunity to teach is difficult when you are learning solo.</a:t>
             </a:r>
           </a:p>
           <a:p>
@@ -5317,21 +5336,37 @@
           <a:p>
             <a:pPr algn="just"/>
             <a:r>
-              <a:rPr lang="en-US" sz="2400" dirty="0" smtClean="0"/>
+              <a:rPr lang="en-US" sz="2400" dirty="0" smtClean="0">
+                <a:solidFill>
+                  <a:schemeClr val="bg1"/>
+                </a:solidFill>
+              </a:rPr>
               <a:t>Building real-world Application</a:t>
             </a:r>
           </a:p>
           <a:p>
             <a:pPr lvl="1"/>
             <a:r>
-              <a:rPr lang="en-US" sz="1600" dirty="0" smtClean="0"/>
+              <a:rPr lang="en-US" sz="1600" dirty="0" smtClean="0">
+                <a:solidFill>
+                  <a:schemeClr val="bg1"/>
+                </a:solidFill>
+              </a:rPr>
               <a:t>You can learn theories and methods by yourself. You can also find tutorials using sample datasets yourself.</a:t>
             </a:r>
             <a:br>
-              <a:rPr lang="en-US" sz="1600" dirty="0" smtClean="0"/>
+              <a:rPr lang="en-US" sz="1600" dirty="0" smtClean="0">
+                <a:solidFill>
+                  <a:schemeClr val="bg1"/>
+                </a:solidFill>
+              </a:rPr>
             </a:br>
             <a:r>
-              <a:rPr lang="en-US" sz="1600" dirty="0" smtClean="0"/>
+              <a:rPr lang="en-US" sz="1600" dirty="0" smtClean="0">
+                <a:solidFill>
+                  <a:schemeClr val="bg1"/>
+                </a:solidFill>
+              </a:rPr>
               <a:t>But finding a really interesting and meaningful problems for you to work on next is sometimes difficult.</a:t>
             </a:r>
           </a:p>
@@ -5341,10 +5376,100 @@
           </a:p>
         </p:txBody>
       </p:sp>
+      <p:pic>
+        <p:nvPicPr>
+          <p:cNvPr id="3" name="Picture 2"/>
+          <p:cNvPicPr>
+            <a:picLocks noChangeAspect="1"/>
+          </p:cNvPicPr>
+          <p:nvPr/>
+        </p:nvPicPr>
+        <p:blipFill>
+          <a:blip r:embed="rId2">
+            <a:extLst>
+              <a:ext uri="{28A0092B-C50C-407E-A947-70E740481C1C}">
+                <a14:useLocalDpi xmlns:a14="http://schemas.microsoft.com/office/drawing/2010/main" val="0"/>
+              </a:ext>
+            </a:extLst>
+          </a:blip>
+          <a:stretch>
+            <a:fillRect/>
+          </a:stretch>
+        </p:blipFill>
+        <p:spPr>
+          <a:xfrm>
+            <a:off x="251520" y="4221088"/>
+            <a:ext cx="2482664" cy="1512168"/>
+          </a:xfrm>
+          <a:prstGeom prst="rect">
+            <a:avLst/>
+          </a:prstGeom>
+        </p:spPr>
+      </p:pic>
+      <p:pic>
+        <p:nvPicPr>
+          <p:cNvPr id="6" name="Picture 5"/>
+          <p:cNvPicPr>
+            <a:picLocks noChangeAspect="1"/>
+          </p:cNvPicPr>
+          <p:nvPr/>
+        </p:nvPicPr>
+        <p:blipFill>
+          <a:blip r:embed="rId3" cstate="print">
+            <a:extLst>
+              <a:ext uri="{28A0092B-C50C-407E-A947-70E740481C1C}">
+                <a14:useLocalDpi xmlns:a14="http://schemas.microsoft.com/office/drawing/2010/main" val="0"/>
+              </a:ext>
+            </a:extLst>
+          </a:blip>
+          <a:stretch>
+            <a:fillRect/>
+          </a:stretch>
+        </p:blipFill>
+        <p:spPr>
+          <a:xfrm>
+            <a:off x="5724128" y="4077072"/>
+            <a:ext cx="3096344" cy="1665890"/>
+          </a:xfrm>
+          <a:prstGeom prst="rect">
+            <a:avLst/>
+          </a:prstGeom>
+        </p:spPr>
+      </p:pic>
+      <p:pic>
+        <p:nvPicPr>
+          <p:cNvPr id="7" name="Picture 6"/>
+          <p:cNvPicPr>
+            <a:picLocks noChangeAspect="1"/>
+          </p:cNvPicPr>
+          <p:nvPr/>
+        </p:nvPicPr>
+        <p:blipFill>
+          <a:blip r:embed="rId4" cstate="print">
+            <a:extLst>
+              <a:ext uri="{28A0092B-C50C-407E-A947-70E740481C1C}">
+                <a14:useLocalDpi xmlns:a14="http://schemas.microsoft.com/office/drawing/2010/main" val="0"/>
+              </a:ext>
+            </a:extLst>
+          </a:blip>
+          <a:stretch>
+            <a:fillRect/>
+          </a:stretch>
+        </p:blipFill>
+        <p:spPr>
+          <a:xfrm>
+            <a:off x="3059832" y="3645024"/>
+            <a:ext cx="2299206" cy="2457512"/>
+          </a:xfrm>
+          <a:prstGeom prst="rect">
+            <a:avLst/>
+          </a:prstGeom>
+        </p:spPr>
+      </p:pic>
     </p:spTree>
     <p:extLst>
       <p:ext uri="{BB962C8B-B14F-4D97-AF65-F5344CB8AC3E}">
-        <p14:creationId xmlns:p14="http://schemas.microsoft.com/office/powerpoint/2010/main" val="3806721011"/>
+        <p14:creationId xmlns:p14="http://schemas.microsoft.com/office/powerpoint/2010/main" val="4058680645"/>
       </p:ext>
     </p:extLst>
   </p:cSld>
@@ -5883,7 +6008,15 @@
             </a:pPr>
             <a:r>
               <a:rPr lang="en-US" sz="1600" dirty="0" smtClean="0"/>
-              <a:t>Provide you with teaching opportunities so you can confirm your understanding and learn more!</a:t>
+              <a:t>Provide you with teaching opportunities so you can </a:t>
+            </a:r>
+            <a:r>
+              <a:rPr lang="en-US" sz="1600" dirty="0" smtClean="0"/>
+              <a:t>really confirm </a:t>
+            </a:r>
+            <a:r>
+              <a:rPr lang="en-US" sz="1600" dirty="0" smtClean="0"/>
+              <a:t>your understanding and learn more!</a:t>
             </a:r>
           </a:p>
           <a:p>
@@ -5917,8 +6050,13 @@
             </a:pPr>
             <a:r>
               <a:rPr lang="en-US" sz="1600" dirty="0" smtClean="0"/>
-              <a:t>..and other stuffs you cannot achieve by learning solo!</a:t>
-            </a:r>
+              <a:t>..and other stuffs you cannot achieve by learning </a:t>
+            </a:r>
+            <a:r>
+              <a:rPr lang="en-US" sz="1600" dirty="0" smtClean="0"/>
+              <a:t>alone!</a:t>
+            </a:r>
+            <a:endParaRPr lang="en-US" sz="1600" dirty="0" smtClean="0"/>
           </a:p>
         </p:txBody>
       </p:sp>
@@ -5963,7 +6101,11 @@
             <a:pPr algn="ctr"/>
             <a:r>
               <a:rPr lang="en-US" dirty="0" smtClean="0"/>
-              <a:t>100+ members</a:t>
+              <a:t>130</a:t>
+            </a:r>
+            <a:r>
+              <a:rPr lang="en-US" dirty="0" smtClean="0"/>
+              <a:t>+ members</a:t>
             </a:r>
             <a:endParaRPr lang="en-US" dirty="0"/>
           </a:p>

--- a/1st_meetup/Geneva School of AI 1st meetup.pptx
+++ b/1st_meetup/Geneva School of AI 1st meetup.pptx
@@ -7,15 +7,16 @@
   <p:sldIdLst>
     <p:sldId id="256" r:id="rId2"/>
     <p:sldId id="274" r:id="rId3"/>
-    <p:sldId id="269" r:id="rId4"/>
-    <p:sldId id="275" r:id="rId5"/>
-    <p:sldId id="276" r:id="rId6"/>
-    <p:sldId id="273" r:id="rId7"/>
-    <p:sldId id="258" r:id="rId8"/>
-    <p:sldId id="259" r:id="rId9"/>
-    <p:sldId id="263" r:id="rId10"/>
-    <p:sldId id="262" r:id="rId11"/>
-    <p:sldId id="260" r:id="rId12"/>
+    <p:sldId id="277" r:id="rId4"/>
+    <p:sldId id="269" r:id="rId5"/>
+    <p:sldId id="275" r:id="rId6"/>
+    <p:sldId id="276" r:id="rId7"/>
+    <p:sldId id="273" r:id="rId8"/>
+    <p:sldId id="258" r:id="rId9"/>
+    <p:sldId id="259" r:id="rId10"/>
+    <p:sldId id="263" r:id="rId11"/>
+    <p:sldId id="262" r:id="rId12"/>
+    <p:sldId id="260" r:id="rId13"/>
   </p:sldIdLst>
   <p:sldSz cx="9144000" cy="6858000" type="screen4x3"/>
   <p:notesSz cx="6858000" cy="9144000"/>
@@ -3312,6 +3313,150 @@
       </p:grpSpPr>
       <p:sp>
         <p:nvSpPr>
+          <p:cNvPr id="2" name="Title 1"/>
+          <p:cNvSpPr>
+            <a:spLocks noGrp="1"/>
+          </p:cNvSpPr>
+          <p:nvPr>
+            <p:ph type="title"/>
+          </p:nvPr>
+        </p:nvSpPr>
+        <p:spPr/>
+        <p:txBody>
+          <a:bodyPr/>
+          <a:lstStyle/>
+          <a:p>
+            <a:r>
+              <a:rPr lang="fr-CH" dirty="0" err="1" smtClean="0"/>
+              <a:t>Who’s</a:t>
+            </a:r>
+            <a:r>
+              <a:rPr lang="fr-CH" dirty="0" smtClean="0"/>
+              <a:t> the </a:t>
+            </a:r>
+            <a:r>
+              <a:rPr lang="fr-CH" dirty="0" err="1" smtClean="0"/>
+              <a:t>Director</a:t>
+            </a:r>
+            <a:endParaRPr lang="fr-CH" dirty="0"/>
+          </a:p>
+        </p:txBody>
+      </p:sp>
+      <p:sp>
+        <p:nvSpPr>
+          <p:cNvPr id="5" name="Content Placeholder 4"/>
+          <p:cNvSpPr>
+            <a:spLocks noGrp="1"/>
+          </p:cNvSpPr>
+          <p:nvPr>
+            <p:ph idx="1"/>
+          </p:nvPr>
+        </p:nvSpPr>
+        <p:spPr>
+          <a:xfrm>
+            <a:off x="457200" y="3429000"/>
+            <a:ext cx="8229600" cy="2697163"/>
+          </a:xfrm>
+        </p:spPr>
+        <p:txBody>
+          <a:bodyPr>
+            <a:normAutofit/>
+          </a:bodyPr>
+          <a:lstStyle/>
+          <a:p>
+            <a:pPr algn="just"/>
+            <a:r>
+              <a:rPr lang="en-US" sz="2400" dirty="0" err="1" smtClean="0"/>
+              <a:t>Siraj</a:t>
+            </a:r>
+            <a:r>
+              <a:rPr lang="en-US" sz="2400" dirty="0" smtClean="0"/>
+              <a:t> </a:t>
+            </a:r>
+            <a:r>
+              <a:rPr lang="en-US" sz="2400" dirty="0" err="1"/>
+              <a:t>Raval</a:t>
+            </a:r>
+            <a:r>
+              <a:rPr lang="en-US" sz="2400" dirty="0"/>
+              <a:t> - He lives to serve all Wizards [the shared moniker of the community</a:t>
+            </a:r>
+            <a:r>
+              <a:rPr lang="en-US" sz="2400" dirty="0" smtClean="0"/>
+              <a:t>]. Inspiring</a:t>
+            </a:r>
+            <a:r>
+              <a:rPr lang="en-US" sz="2400" dirty="0"/>
+              <a:t>, educating, and guiding them along their journey to help them </a:t>
+            </a:r>
+            <a:r>
+              <a:rPr lang="en-US" sz="2400" dirty="0" smtClean="0"/>
+              <a:t>maximize their </a:t>
+            </a:r>
+            <a:r>
+              <a:rPr lang="en-US" sz="2400" dirty="0"/>
+              <a:t>positive impact in the world using AI </a:t>
+            </a:r>
+            <a:r>
+              <a:rPr lang="en-US" sz="2400" dirty="0" smtClean="0"/>
+              <a:t>technology. </a:t>
+            </a:r>
+          </a:p>
+        </p:txBody>
+      </p:sp>
+      <p:pic>
+        <p:nvPicPr>
+          <p:cNvPr id="4098" name="Picture 2" descr="C:\Users\charles\Desktop\Dropbox\SchoolOfAI\Presentation\siraj.jpg"/>
+          <p:cNvPicPr>
+            <a:picLocks noChangeAspect="1" noChangeArrowheads="1"/>
+          </p:cNvPicPr>
+          <p:nvPr/>
+        </p:nvPicPr>
+        <p:blipFill>
+          <a:blip r:embed="rId2" cstate="print"/>
+          <a:srcRect/>
+          <a:stretch>
+            <a:fillRect/>
+          </a:stretch>
+        </p:blipFill>
+        <p:spPr bwMode="auto">
+          <a:xfrm>
+            <a:off x="3635896" y="1412776"/>
+            <a:ext cx="1959149" cy="1959149"/>
+          </a:xfrm>
+          <a:prstGeom prst="ellipse">
+            <a:avLst/>
+          </a:prstGeom>
+          <a:noFill/>
+        </p:spPr>
+      </p:pic>
+    </p:spTree>
+  </p:cSld>
+  <p:clrMapOvr>
+    <a:masterClrMapping/>
+  </p:clrMapOvr>
+</p:sld>
+</file>
+
+<file path=ppt/slides/slide11.xml><?xml version="1.0" encoding="utf-8"?>
+<p:sld xmlns:a="http://schemas.openxmlformats.org/drawingml/2006/main" xmlns:r="http://schemas.openxmlformats.org/officeDocument/2006/relationships" xmlns:p="http://schemas.openxmlformats.org/presentationml/2006/main">
+  <p:cSld>
+    <p:spTree>
+      <p:nvGrpSpPr>
+        <p:cNvPr id="1" name=""/>
+        <p:cNvGrpSpPr/>
+        <p:nvPr/>
+      </p:nvGrpSpPr>
+      <p:grpSpPr>
+        <a:xfrm>
+          <a:off x="0" y="0"/>
+          <a:ext cx="0" cy="0"/>
+          <a:chOff x="0" y="0"/>
+          <a:chExt cx="0" cy="0"/>
+        </a:xfrm>
+      </p:grpSpPr>
+      <p:sp>
+        <p:nvSpPr>
           <p:cNvPr id="7" name="Title 6"/>
           <p:cNvSpPr>
             <a:spLocks noGrp="1"/>
@@ -3412,7 +3557,7 @@
 </p:sld>
 </file>
 
-<file path=ppt/slides/slide11.xml><?xml version="1.0" encoding="utf-8"?>
+<file path=ppt/slides/slide12.xml><?xml version="1.0" encoding="utf-8"?>
 <p:sld xmlns:a="http://schemas.openxmlformats.org/drawingml/2006/main" xmlns:r="http://schemas.openxmlformats.org/officeDocument/2006/relationships" xmlns:p="http://schemas.openxmlformats.org/presentationml/2006/main">
   <p:cSld>
     <p:spTree>
@@ -3945,7 +4090,7 @@
         </p:spPr>
         <p:txBody>
           <a:bodyPr>
-            <a:normAutofit fontScale="70000" lnSpcReduction="20000"/>
+            <a:normAutofit lnSpcReduction="10000"/>
           </a:bodyPr>
           <a:lstStyle/>
           <a:p>
@@ -3973,18 +4118,13 @@
             </a:r>
             <a:r>
               <a:rPr lang="en-US" dirty="0" smtClean="0"/>
-              <a:t>aster’s in bio-medical engineering. //image processing, FPGA</a:t>
-            </a:r>
-          </a:p>
-          <a:p>
+              <a:t>aster’s in bio-medical engineering. //image processing, </a:t>
+            </a:r>
             <a:r>
               <a:rPr lang="en-US" dirty="0" smtClean="0"/>
-              <a:t>My </a:t>
-            </a:r>
-            <a:r>
-              <a:rPr lang="en-US" dirty="0"/>
-              <a:t>vision as an engineer is not only to create beautiful products, but to bring people together and connect communities through beautiful products.</a:t>
-            </a:r>
+              <a:t>FPGA</a:t>
+            </a:r>
+            <a:endParaRPr lang="en-US" dirty="0" smtClean="0"/>
           </a:p>
         </p:txBody>
       </p:sp>
@@ -4226,6 +4366,270 @@
         </p:nvSpPr>
         <p:spPr/>
         <p:txBody>
+          <a:bodyPr>
+            <a:normAutofit fontScale="90000"/>
+          </a:bodyPr>
+          <a:lstStyle/>
+          <a:p>
+            <a:r>
+              <a:rPr lang="en-US" dirty="0" smtClean="0"/>
+              <a:t>Yes, you can learn ML/AI by yourself</a:t>
+            </a:r>
+            <a:endParaRPr lang="en-US" dirty="0"/>
+          </a:p>
+        </p:txBody>
+      </p:sp>
+      <p:pic>
+        <p:nvPicPr>
+          <p:cNvPr id="7" name="Picture 6"/>
+          <p:cNvPicPr>
+            <a:picLocks noChangeAspect="1"/>
+          </p:cNvPicPr>
+          <p:nvPr/>
+        </p:nvPicPr>
+        <p:blipFill>
+          <a:blip r:embed="rId2" cstate="print">
+            <a:extLst>
+              <a:ext uri="{28A0092B-C50C-407E-A947-70E740481C1C}">
+                <a14:useLocalDpi xmlns:a14="http://schemas.microsoft.com/office/drawing/2010/main" val="0"/>
+              </a:ext>
+            </a:extLst>
+          </a:blip>
+          <a:stretch>
+            <a:fillRect/>
+          </a:stretch>
+        </p:blipFill>
+        <p:spPr>
+          <a:xfrm>
+            <a:off x="323528" y="1484784"/>
+            <a:ext cx="3278736" cy="1766875"/>
+          </a:xfrm>
+          <a:prstGeom prst="rect">
+            <a:avLst/>
+          </a:prstGeom>
+        </p:spPr>
+      </p:pic>
+      <p:pic>
+        <p:nvPicPr>
+          <p:cNvPr id="8" name="Picture 7"/>
+          <p:cNvPicPr>
+            <a:picLocks noChangeAspect="1"/>
+          </p:cNvPicPr>
+          <p:nvPr/>
+        </p:nvPicPr>
+        <p:blipFill>
+          <a:blip r:embed="rId3">
+            <a:extLst>
+              <a:ext uri="{28A0092B-C50C-407E-A947-70E740481C1C}">
+                <a14:useLocalDpi xmlns:a14="http://schemas.microsoft.com/office/drawing/2010/main" val="0"/>
+              </a:ext>
+            </a:extLst>
+          </a:blip>
+          <a:stretch>
+            <a:fillRect/>
+          </a:stretch>
+        </p:blipFill>
+        <p:spPr>
+          <a:xfrm>
+            <a:off x="4283968" y="1340768"/>
+            <a:ext cx="4070824" cy="1565006"/>
+          </a:xfrm>
+          <a:prstGeom prst="rect">
+            <a:avLst/>
+          </a:prstGeom>
+        </p:spPr>
+      </p:pic>
+      <p:pic>
+        <p:nvPicPr>
+          <p:cNvPr id="9" name="Picture 8"/>
+          <p:cNvPicPr>
+            <a:picLocks noChangeAspect="1"/>
+          </p:cNvPicPr>
+          <p:nvPr/>
+        </p:nvPicPr>
+        <p:blipFill>
+          <a:blip r:embed="rId4">
+            <a:extLst>
+              <a:ext uri="{28A0092B-C50C-407E-A947-70E740481C1C}">
+                <a14:useLocalDpi xmlns:a14="http://schemas.microsoft.com/office/drawing/2010/main" val="0"/>
+              </a:ext>
+            </a:extLst>
+          </a:blip>
+          <a:stretch>
+            <a:fillRect/>
+          </a:stretch>
+        </p:blipFill>
+        <p:spPr>
+          <a:xfrm>
+            <a:off x="251520" y="3501008"/>
+            <a:ext cx="3818080" cy="2345998"/>
+          </a:xfrm>
+          <a:prstGeom prst="rect">
+            <a:avLst/>
+          </a:prstGeom>
+        </p:spPr>
+      </p:pic>
+      <p:pic>
+        <p:nvPicPr>
+          <p:cNvPr id="10" name="Picture 9"/>
+          <p:cNvPicPr>
+            <a:picLocks noChangeAspect="1"/>
+          </p:cNvPicPr>
+          <p:nvPr/>
+        </p:nvPicPr>
+        <p:blipFill>
+          <a:blip r:embed="rId5" cstate="print">
+            <a:extLst>
+              <a:ext uri="{28A0092B-C50C-407E-A947-70E740481C1C}">
+                <a14:useLocalDpi xmlns:a14="http://schemas.microsoft.com/office/drawing/2010/main" val="0"/>
+              </a:ext>
+            </a:extLst>
+          </a:blip>
+          <a:stretch>
+            <a:fillRect/>
+          </a:stretch>
+        </p:blipFill>
+        <p:spPr>
+          <a:xfrm>
+            <a:off x="5292080" y="3068960"/>
+            <a:ext cx="3434123" cy="2029948"/>
+          </a:xfrm>
+          <a:prstGeom prst="rect">
+            <a:avLst/>
+          </a:prstGeom>
+        </p:spPr>
+      </p:pic>
+      <p:pic>
+        <p:nvPicPr>
+          <p:cNvPr id="11" name="Picture 10"/>
+          <p:cNvPicPr>
+            <a:picLocks noChangeAspect="1"/>
+          </p:cNvPicPr>
+          <p:nvPr/>
+        </p:nvPicPr>
+        <p:blipFill rotWithShape="1">
+          <a:blip r:embed="rId6">
+            <a:extLst>
+              <a:ext uri="{28A0092B-C50C-407E-A947-70E740481C1C}">
+                <a14:useLocalDpi xmlns:a14="http://schemas.microsoft.com/office/drawing/2010/main" val="0"/>
+              </a:ext>
+            </a:extLst>
+          </a:blip>
+          <a:srcRect b="51593"/>
+          <a:stretch/>
+        </p:blipFill>
+        <p:spPr>
+          <a:xfrm>
+            <a:off x="4283968" y="5229200"/>
+            <a:ext cx="4447077" cy="1368152"/>
+          </a:xfrm>
+          <a:prstGeom prst="rect">
+            <a:avLst/>
+          </a:prstGeom>
+        </p:spPr>
+      </p:pic>
+      <p:pic>
+        <p:nvPicPr>
+          <p:cNvPr id="12" name="Picture 11"/>
+          <p:cNvPicPr>
+            <a:picLocks noChangeAspect="1"/>
+          </p:cNvPicPr>
+          <p:nvPr/>
+        </p:nvPicPr>
+        <p:blipFill>
+          <a:blip r:embed="rId7">
+            <a:extLst>
+              <a:ext uri="{28A0092B-C50C-407E-A947-70E740481C1C}">
+                <a14:useLocalDpi xmlns:a14="http://schemas.microsoft.com/office/drawing/2010/main" val="0"/>
+              </a:ext>
+            </a:extLst>
+          </a:blip>
+          <a:stretch>
+            <a:fillRect/>
+          </a:stretch>
+        </p:blipFill>
+        <p:spPr>
+          <a:xfrm>
+            <a:off x="1835696" y="1268760"/>
+            <a:ext cx="3405945" cy="1200022"/>
+          </a:xfrm>
+          <a:prstGeom prst="rect">
+            <a:avLst/>
+          </a:prstGeom>
+        </p:spPr>
+      </p:pic>
+      <p:pic>
+        <p:nvPicPr>
+          <p:cNvPr id="13" name="Picture 12"/>
+          <p:cNvPicPr>
+            <a:picLocks noChangeAspect="1"/>
+          </p:cNvPicPr>
+          <p:nvPr/>
+        </p:nvPicPr>
+        <p:blipFill>
+          <a:blip r:embed="rId8" cstate="print">
+            <a:extLst>
+              <a:ext uri="{28A0092B-C50C-407E-A947-70E740481C1C}">
+                <a14:useLocalDpi xmlns:a14="http://schemas.microsoft.com/office/drawing/2010/main" val="0"/>
+              </a:ext>
+            </a:extLst>
+          </a:blip>
+          <a:stretch>
+            <a:fillRect/>
+          </a:stretch>
+        </p:blipFill>
+        <p:spPr>
+          <a:xfrm>
+            <a:off x="827584" y="5445224"/>
+            <a:ext cx="3384376" cy="1304865"/>
+          </a:xfrm>
+          <a:prstGeom prst="rect">
+            <a:avLst/>
+          </a:prstGeom>
+        </p:spPr>
+      </p:pic>
+    </p:spTree>
+    <p:extLst>
+      <p:ext uri="{BB962C8B-B14F-4D97-AF65-F5344CB8AC3E}">
+        <p14:creationId xmlns:p14="http://schemas.microsoft.com/office/powerpoint/2010/main" val="3883045202"/>
+      </p:ext>
+    </p:extLst>
+  </p:cSld>
+  <p:clrMapOvr>
+    <a:masterClrMapping/>
+  </p:clrMapOvr>
+</p:sld>
+</file>
+
+<file path=ppt/slides/slide4.xml><?xml version="1.0" encoding="utf-8"?>
+<p:sld xmlns:a="http://schemas.openxmlformats.org/drawingml/2006/main" xmlns:r="http://schemas.openxmlformats.org/officeDocument/2006/relationships" xmlns:p="http://schemas.openxmlformats.org/presentationml/2006/main">
+  <p:cSld>
+    <p:spTree>
+      <p:nvGrpSpPr>
+        <p:cNvPr id="1" name=""/>
+        <p:cNvGrpSpPr/>
+        <p:nvPr/>
+      </p:nvGrpSpPr>
+      <p:grpSpPr>
+        <a:xfrm>
+          <a:off x="0" y="0"/>
+          <a:ext cx="0" cy="0"/>
+          <a:chOff x="0" y="0"/>
+          <a:chExt cx="0" cy="0"/>
+        </a:xfrm>
+      </p:grpSpPr>
+      <p:sp>
+        <p:nvSpPr>
+          <p:cNvPr id="2" name="Title 1"/>
+          <p:cNvSpPr>
+            <a:spLocks noGrp="1"/>
+          </p:cNvSpPr>
+          <p:nvPr>
+            <p:ph type="title"/>
+          </p:nvPr>
+        </p:nvSpPr>
+        <p:spPr/>
+        <p:txBody>
           <a:bodyPr/>
           <a:lstStyle/>
           <a:p>
@@ -4235,11 +4639,7 @@
             </a:r>
             <a:r>
               <a:rPr lang="fr-CH" dirty="0" smtClean="0"/>
-              <a:t> </a:t>
-            </a:r>
-            <a:r>
-              <a:rPr lang="fr-CH" dirty="0" smtClean="0"/>
-              <a:t>in solo-</a:t>
+              <a:t> in solo-</a:t>
             </a:r>
             <a:r>
               <a:rPr lang="fr-CH" dirty="0" err="1" smtClean="0"/>
@@ -4417,17 +4817,8 @@
             </a:pPr>
             <a:r>
               <a:rPr lang="en-US" sz="2400" dirty="0" smtClean="0"/>
-              <a:t>Completing </a:t>
-            </a:r>
-            <a:r>
-              <a:rPr lang="en-US" sz="2400" dirty="0" smtClean="0"/>
-              <a:t>MOOCS / </a:t>
-            </a:r>
-            <a:r>
-              <a:rPr lang="en-US" sz="2400" dirty="0" smtClean="0"/>
-              <a:t>Textbooks by yourself</a:t>
-            </a:r>
-            <a:endParaRPr lang="en-US" sz="2400" dirty="0" smtClean="0"/>
+              <a:t>Completing MOOCS / Textbooks by yourself</a:t>
+            </a:r>
           </a:p>
           <a:p>
             <a:pPr marL="457200" lvl="1" indent="0" algn="just">
@@ -4614,7 +5005,7 @@
 </p:sld>
 </file>
 
-<file path=ppt/slides/slide4.xml><?xml version="1.0" encoding="utf-8"?>
+<file path=ppt/slides/slide5.xml><?xml version="1.0" encoding="utf-8"?>
 <p:sld xmlns:a="http://schemas.openxmlformats.org/drawingml/2006/main" xmlns:r="http://schemas.openxmlformats.org/officeDocument/2006/relationships" xmlns:p="http://schemas.openxmlformats.org/presentationml/2006/main">
   <p:cSld>
     <p:spTree>
@@ -4652,11 +5043,7 @@
             </a:r>
             <a:r>
               <a:rPr lang="fr-CH" dirty="0" smtClean="0"/>
-              <a:t> </a:t>
-            </a:r>
-            <a:r>
-              <a:rPr lang="fr-CH" dirty="0" smtClean="0"/>
-              <a:t>in solo-</a:t>
+              <a:t> in solo-</a:t>
             </a:r>
             <a:r>
               <a:rPr lang="fr-CH" dirty="0" err="1" smtClean="0"/>
@@ -5060,7 +5447,7 @@
 </p:sld>
 </file>
 
-<file path=ppt/slides/slide5.xml><?xml version="1.0" encoding="utf-8"?>
+<file path=ppt/slides/slide6.xml><?xml version="1.0" encoding="utf-8"?>
 <p:sld xmlns:a="http://schemas.openxmlformats.org/drawingml/2006/main" xmlns:r="http://schemas.openxmlformats.org/officeDocument/2006/relationships" xmlns:p="http://schemas.openxmlformats.org/presentationml/2006/main">
   <p:cSld>
     <p:spTree>
@@ -5098,11 +5485,7 @@
             </a:r>
             <a:r>
               <a:rPr lang="fr-CH" dirty="0" smtClean="0"/>
-              <a:t> </a:t>
-            </a:r>
-            <a:r>
-              <a:rPr lang="fr-CH" dirty="0" smtClean="0"/>
-              <a:t>in solo-</a:t>
+              <a:t> in solo-</a:t>
             </a:r>
             <a:r>
               <a:rPr lang="fr-CH" dirty="0" err="1" smtClean="0"/>
@@ -5479,7 +5862,7 @@
 </p:sld>
 </file>
 
-<file path=ppt/slides/slide6.xml><?xml version="1.0" encoding="utf-8"?>
+<file path=ppt/slides/slide7.xml><?xml version="1.0" encoding="utf-8"?>
 <p:sld xmlns:a="http://schemas.openxmlformats.org/drawingml/2006/main" xmlns:r="http://schemas.openxmlformats.org/officeDocument/2006/relationships" xmlns:p="http://schemas.openxmlformats.org/presentationml/2006/main">
   <p:cSld>
     <p:spTree>
@@ -6008,15 +6391,7 @@
             </a:pPr>
             <a:r>
               <a:rPr lang="en-US" sz="1600" dirty="0" smtClean="0"/>
-              <a:t>Provide you with teaching opportunities so you can </a:t>
-            </a:r>
-            <a:r>
-              <a:rPr lang="en-US" sz="1600" dirty="0" smtClean="0"/>
-              <a:t>really confirm </a:t>
-            </a:r>
-            <a:r>
-              <a:rPr lang="en-US" sz="1600" dirty="0" smtClean="0"/>
-              <a:t>your understanding and learn more!</a:t>
+              <a:t>Provide you with teaching opportunities so you can really confirm your understanding and learn more!</a:t>
             </a:r>
           </a:p>
           <a:p>
@@ -6050,13 +6425,8 @@
             </a:pPr>
             <a:r>
               <a:rPr lang="en-US" sz="1600" dirty="0" smtClean="0"/>
-              <a:t>..and other stuffs you cannot achieve by learning </a:t>
-            </a:r>
-            <a:r>
-              <a:rPr lang="en-US" sz="1600" dirty="0" smtClean="0"/>
-              <a:t>alone!</a:t>
-            </a:r>
-            <a:endParaRPr lang="en-US" sz="1600" dirty="0" smtClean="0"/>
+              <a:t>..and other stuffs you cannot achieve by learning alone!</a:t>
+            </a:r>
           </a:p>
         </p:txBody>
       </p:sp>
@@ -6101,11 +6471,7 @@
             <a:pPr algn="ctr"/>
             <a:r>
               <a:rPr lang="en-US" dirty="0" smtClean="0"/>
-              <a:t>130</a:t>
-            </a:r>
-            <a:r>
-              <a:rPr lang="en-US" dirty="0" smtClean="0"/>
-              <a:t>+ members</a:t>
+              <a:t>130+ members</a:t>
             </a:r>
             <a:endParaRPr lang="en-US" dirty="0"/>
           </a:p>
@@ -6124,7 +6490,7 @@
 </p:sld>
 </file>
 
-<file path=ppt/slides/slide7.xml><?xml version="1.0" encoding="utf-8"?>
+<file path=ppt/slides/slide8.xml><?xml version="1.0" encoding="utf-8"?>
 <p:sld xmlns:a="http://schemas.openxmlformats.org/drawingml/2006/main" xmlns:r="http://schemas.openxmlformats.org/officeDocument/2006/relationships" xmlns:p="http://schemas.openxmlformats.org/presentationml/2006/main">
   <p:cSld>
     <p:spTree>
@@ -6331,7 +6697,7 @@
 </p:sld>
 </file>
 
-<file path=ppt/slides/slide8.xml><?xml version="1.0" encoding="utf-8"?>
+<file path=ppt/slides/slide9.xml><?xml version="1.0" encoding="utf-8"?>
 <p:sld xmlns:a="http://schemas.openxmlformats.org/drawingml/2006/main" xmlns:r="http://schemas.openxmlformats.org/officeDocument/2006/relationships" xmlns:p="http://schemas.openxmlformats.org/presentationml/2006/main">
   <p:cSld>
     <p:spTree>
@@ -6447,150 +6813,6 @@
             <a:headEnd/>
             <a:tailEnd/>
           </a:ln>
-        </p:spPr>
-      </p:pic>
-    </p:spTree>
-  </p:cSld>
-  <p:clrMapOvr>
-    <a:masterClrMapping/>
-  </p:clrMapOvr>
-</p:sld>
-</file>
-
-<file path=ppt/slides/slide9.xml><?xml version="1.0" encoding="utf-8"?>
-<p:sld xmlns:a="http://schemas.openxmlformats.org/drawingml/2006/main" xmlns:r="http://schemas.openxmlformats.org/officeDocument/2006/relationships" xmlns:p="http://schemas.openxmlformats.org/presentationml/2006/main">
-  <p:cSld>
-    <p:spTree>
-      <p:nvGrpSpPr>
-        <p:cNvPr id="1" name=""/>
-        <p:cNvGrpSpPr/>
-        <p:nvPr/>
-      </p:nvGrpSpPr>
-      <p:grpSpPr>
-        <a:xfrm>
-          <a:off x="0" y="0"/>
-          <a:ext cx="0" cy="0"/>
-          <a:chOff x="0" y="0"/>
-          <a:chExt cx="0" cy="0"/>
-        </a:xfrm>
-      </p:grpSpPr>
-      <p:sp>
-        <p:nvSpPr>
-          <p:cNvPr id="2" name="Title 1"/>
-          <p:cNvSpPr>
-            <a:spLocks noGrp="1"/>
-          </p:cNvSpPr>
-          <p:nvPr>
-            <p:ph type="title"/>
-          </p:nvPr>
-        </p:nvSpPr>
-        <p:spPr/>
-        <p:txBody>
-          <a:bodyPr/>
-          <a:lstStyle/>
-          <a:p>
-            <a:r>
-              <a:rPr lang="fr-CH" dirty="0" err="1" smtClean="0"/>
-              <a:t>Who’s</a:t>
-            </a:r>
-            <a:r>
-              <a:rPr lang="fr-CH" dirty="0" smtClean="0"/>
-              <a:t> the </a:t>
-            </a:r>
-            <a:r>
-              <a:rPr lang="fr-CH" dirty="0" err="1" smtClean="0"/>
-              <a:t>Director</a:t>
-            </a:r>
-            <a:endParaRPr lang="fr-CH" dirty="0"/>
-          </a:p>
-        </p:txBody>
-      </p:sp>
-      <p:sp>
-        <p:nvSpPr>
-          <p:cNvPr id="5" name="Content Placeholder 4"/>
-          <p:cNvSpPr>
-            <a:spLocks noGrp="1"/>
-          </p:cNvSpPr>
-          <p:nvPr>
-            <p:ph idx="1"/>
-          </p:nvPr>
-        </p:nvSpPr>
-        <p:spPr>
-          <a:xfrm>
-            <a:off x="457200" y="3429000"/>
-            <a:ext cx="8229600" cy="2697163"/>
-          </a:xfrm>
-        </p:spPr>
-        <p:txBody>
-          <a:bodyPr>
-            <a:normAutofit/>
-          </a:bodyPr>
-          <a:lstStyle/>
-          <a:p>
-            <a:pPr algn="just"/>
-            <a:r>
-              <a:rPr lang="en-US" sz="2400" dirty="0" err="1" smtClean="0"/>
-              <a:t>Siraj</a:t>
-            </a:r>
-            <a:r>
-              <a:rPr lang="en-US" sz="2400" dirty="0" smtClean="0"/>
-              <a:t> </a:t>
-            </a:r>
-            <a:r>
-              <a:rPr lang="en-US" sz="2400" dirty="0" err="1"/>
-              <a:t>Raval</a:t>
-            </a:r>
-            <a:r>
-              <a:rPr lang="en-US" sz="2400" dirty="0"/>
-              <a:t> - He lives to serve all Wizards [the shared moniker of the community</a:t>
-            </a:r>
-            <a:r>
-              <a:rPr lang="en-US" sz="2400" dirty="0" smtClean="0"/>
-              <a:t>]. Inspiring</a:t>
-            </a:r>
-            <a:r>
-              <a:rPr lang="en-US" sz="2400" dirty="0"/>
-              <a:t>, educating, and guiding them along their journey to help them </a:t>
-            </a:r>
-            <a:r>
-              <a:rPr lang="en-US" sz="2400" dirty="0" smtClean="0"/>
-              <a:t>maximize their </a:t>
-            </a:r>
-            <a:r>
-              <a:rPr lang="en-US" sz="2400" dirty="0"/>
-              <a:t>positive impact in the world using AI </a:t>
-            </a:r>
-            <a:r>
-              <a:rPr lang="en-US" sz="2400" dirty="0" smtClean="0"/>
-              <a:t>technology. </a:t>
-            </a:r>
-          </a:p>
-        </p:txBody>
-      </p:sp>
-      <p:pic>
-        <p:nvPicPr>
-          <p:cNvPr id="4098" name="Picture 2" descr="C:\Users\charles\Desktop\Dropbox\SchoolOfAI\Presentation\siraj.jpg"/>
-          <p:cNvPicPr>
-            <a:picLocks noChangeAspect="1" noChangeArrowheads="1"/>
-          </p:cNvPicPr>
-          <p:nvPr/>
-        </p:nvPicPr>
-        <p:blipFill>
-          <a:blip r:embed="rId2" cstate="print"/>
-          <a:srcRect/>
-          <a:stretch>
-            <a:fillRect/>
-          </a:stretch>
-        </p:blipFill>
-        <p:spPr bwMode="auto">
-          <a:xfrm>
-            <a:off x="3635896" y="1412776"/>
-            <a:ext cx="1959149" cy="1959149"/>
-          </a:xfrm>
-          <a:prstGeom prst="ellipse">
-            <a:avLst/>
-          </a:prstGeom>
-          <a:noFill/>
         </p:spPr>
       </p:pic>
     </p:spTree>
